--- a/ApresentaçãoAED_ AC5e6.pptx
+++ b/ApresentaçãoAED_ AC5e6.pptx
@@ -5,10 +5,10 @@
     <p:sldMasterId id="2147483648" r:id="rId4"/>
   </p:sldMasterIdLst>
   <p:notesMasterIdLst>
-    <p:notesMasterId r:id="rId26"/>
+    <p:notesMasterId r:id="rId24"/>
   </p:notesMasterIdLst>
   <p:handoutMasterIdLst>
-    <p:handoutMasterId r:id="rId27"/>
+    <p:handoutMasterId r:id="rId25"/>
   </p:handoutMasterIdLst>
   <p:sldIdLst>
     <p:sldId id="256" r:id="rId5"/>
@@ -29,9 +29,7 @@
     <p:sldId id="301" r:id="rId20"/>
     <p:sldId id="297" r:id="rId21"/>
     <p:sldId id="298" r:id="rId22"/>
-    <p:sldId id="261" r:id="rId23"/>
-    <p:sldId id="269" r:id="rId24"/>
-    <p:sldId id="268" r:id="rId25"/>
+    <p:sldId id="268" r:id="rId23"/>
   </p:sldIdLst>
   <p:sldSz cx="9144000" cy="6858000" type="screen4x3"/>
   <p:notesSz cx="6858000" cy="9144000"/>
@@ -654,7 +652,6 @@
           </a:p>
         </c:rich>
       </c:tx>
-      <c:layout/>
       <c:overlay val="0"/>
       <c:spPr>
         <a:noFill/>
@@ -1125,7 +1122,6 @@
     </c:plotArea>
     <c:legend>
       <c:legendPos val="b"/>
-      <c:layout/>
       <c:overlay val="0"/>
       <c:spPr>
         <a:noFill/>
@@ -1254,7 +1250,6 @@
           </a:p>
         </c:rich>
       </c:tx>
-      <c:layout/>
       <c:overlay val="0"/>
       <c:spPr>
         <a:noFill/>
@@ -1924,7 +1919,6 @@
     </c:plotArea>
     <c:legend>
       <c:legendPos val="b"/>
-      <c:layout/>
       <c:overlay val="0"/>
       <c:spPr>
         <a:noFill/>
@@ -2045,7 +2039,6 @@
           </a:p>
         </c:rich>
       </c:tx>
-      <c:layout/>
       <c:overlay val="0"/>
       <c:spPr>
         <a:noFill/>
@@ -2516,7 +2509,6 @@
     </c:plotArea>
     <c:legend>
       <c:legendPos val="b"/>
-      <c:layout/>
       <c:overlay val="0"/>
       <c:spPr>
         <a:noFill/>
@@ -2638,7 +2630,6 @@
           </a:p>
         </c:rich>
       </c:tx>
-      <c:layout/>
       <c:overlay val="0"/>
       <c:spPr>
         <a:noFill/>
@@ -3108,7 +3099,6 @@
     </c:plotArea>
     <c:legend>
       <c:legendPos val="b"/>
-      <c:layout/>
       <c:overlay val="0"/>
       <c:spPr>
         <a:noFill/>
@@ -3233,7 +3223,6 @@
           </a:p>
         </c:rich>
       </c:tx>
-      <c:layout/>
       <c:overlay val="0"/>
       <c:spPr>
         <a:noFill/>
@@ -3820,7 +3809,6 @@
             <c:showLeaderLines val="0"/>
             <c:extLst>
               <c:ext xmlns:c15="http://schemas.microsoft.com/office/drawing/2012/chart" uri="{CE6537A1-D6FC-4f65-9D91-7224C49458BB}">
-                <c15:layout/>
                 <c15:showLeaderLines val="1"/>
                 <c15:leaderLines>
                   <c:spPr>
@@ -3977,7 +3965,6 @@
             <c:showLeaderLines val="0"/>
             <c:extLst>
               <c:ext xmlns:c15="http://schemas.microsoft.com/office/drawing/2012/chart" uri="{CE6537A1-D6FC-4f65-9D91-7224C49458BB}">
-                <c15:layout/>
                 <c15:showLeaderLines val="1"/>
                 <c15:leaderLines>
                   <c:spPr>
@@ -4134,7 +4121,6 @@
             <c:showLeaderLines val="0"/>
             <c:extLst>
               <c:ext xmlns:c15="http://schemas.microsoft.com/office/drawing/2012/chart" uri="{CE6537A1-D6FC-4f65-9D91-7224C49458BB}">
-                <c15:layout/>
                 <c15:showLeaderLines val="1"/>
                 <c15:leaderLines>
                   <c:spPr>
@@ -4437,7 +4423,6 @@
           </a:p>
         </c:rich>
       </c:tx>
-      <c:layout/>
       <c:overlay val="0"/>
       <c:spPr>
         <a:noFill/>
@@ -5159,7 +5144,6 @@
             <c:showLeaderLines val="0"/>
             <c:extLst>
               <c:ext xmlns:c15="http://schemas.microsoft.com/office/drawing/2012/chart" uri="{CE6537A1-D6FC-4f65-9D91-7224C49458BB}">
-                <c15:layout/>
                 <c15:showLeaderLines val="1"/>
                 <c15:leaderLines>
                   <c:spPr>
@@ -5316,7 +5300,6 @@
             <c:showLeaderLines val="0"/>
             <c:extLst>
               <c:ext xmlns:c15="http://schemas.microsoft.com/office/drawing/2012/chart" uri="{CE6537A1-D6FC-4f65-9D91-7224C49458BB}">
-                <c15:layout/>
                 <c15:showLeaderLines val="1"/>
                 <c15:leaderLines>
                   <c:spPr>
@@ -5473,7 +5456,6 @@
             <c:showLeaderLines val="0"/>
             <c:extLst>
               <c:ext xmlns:c15="http://schemas.microsoft.com/office/drawing/2012/chart" uri="{CE6537A1-D6FC-4f65-9D91-7224C49458BB}">
-                <c15:layout/>
                 <c15:showLeaderLines val="1"/>
                 <c15:leaderLines>
                   <c:spPr>
@@ -5774,7 +5756,6 @@
           </a:p>
         </c:rich>
       </c:tx>
-      <c:layout/>
       <c:overlay val="0"/>
       <c:spPr>
         <a:noFill/>
@@ -6451,7 +6432,6 @@
             <c:showLeaderLines val="0"/>
             <c:extLst>
               <c:ext xmlns:c15="http://schemas.microsoft.com/office/drawing/2012/chart" uri="{CE6537A1-D6FC-4f65-9D91-7224C49458BB}">
-                <c15:layout/>
                 <c15:showLeaderLines val="1"/>
                 <c15:leaderLines>
                   <c:spPr>
@@ -6608,7 +6588,6 @@
             <c:showLeaderLines val="0"/>
             <c:extLst>
               <c:ext xmlns:c15="http://schemas.microsoft.com/office/drawing/2012/chart" uri="{CE6537A1-D6FC-4f65-9D91-7224C49458BB}">
-                <c15:layout/>
                 <c15:showLeaderLines val="1"/>
                 <c15:leaderLines>
                   <c:spPr>
@@ -6762,7 +6741,6 @@
             <c:showLeaderLines val="0"/>
             <c:extLst>
               <c:ext xmlns:c15="http://schemas.microsoft.com/office/drawing/2012/chart" uri="{CE6537A1-D6FC-4f65-9D91-7224C49458BB}">
-                <c15:layout/>
                 <c15:showLeaderLines val="1"/>
                 <c15:leaderLines>
                   <c:spPr>
@@ -7065,7 +7043,6 @@
           </a:p>
         </c:rich>
       </c:tx>
-      <c:layout/>
       <c:overlay val="0"/>
       <c:spPr>
         <a:noFill/>
@@ -7802,7 +7779,6 @@
             <c:showLeaderLines val="0"/>
             <c:extLst>
               <c:ext xmlns:c15="http://schemas.microsoft.com/office/drawing/2012/chart" uri="{CE6537A1-D6FC-4f65-9D91-7224C49458BB}">
-                <c15:layout/>
                 <c15:showLeaderLines val="1"/>
                 <c15:leaderLines>
                   <c:spPr>
@@ -7959,7 +7935,6 @@
             <c:showLeaderLines val="0"/>
             <c:extLst>
               <c:ext xmlns:c15="http://schemas.microsoft.com/office/drawing/2012/chart" uri="{CE6537A1-D6FC-4f65-9D91-7224C49458BB}">
-                <c15:layout/>
                 <c15:showLeaderLines val="1"/>
                 <c15:leaderLines>
                   <c:spPr>
@@ -8107,7 +8082,6 @@
             <c:showLeaderLines val="0"/>
             <c:extLst>
               <c:ext xmlns:c15="http://schemas.microsoft.com/office/drawing/2012/chart" uri="{CE6537A1-D6FC-4f65-9D91-7224C49458BB}">
-                <c15:layout/>
                 <c15:showLeaderLines val="1"/>
                 <c15:leaderLines>
                   <c:spPr>
@@ -8408,7 +8382,6 @@
           </a:p>
         </c:rich>
       </c:tx>
-      <c:layout/>
       <c:overlay val="0"/>
       <c:spPr>
         <a:noFill/>
@@ -8879,7 +8852,6 @@
     </c:plotArea>
     <c:legend>
       <c:legendPos val="b"/>
-      <c:layout/>
       <c:overlay val="0"/>
       <c:spPr>
         <a:noFill/>
@@ -9001,7 +8973,6 @@
           </a:p>
         </c:rich>
       </c:tx>
-      <c:layout/>
       <c:overlay val="0"/>
       <c:spPr>
         <a:noFill/>
@@ -9471,7 +9442,6 @@
     </c:plotArea>
     <c:legend>
       <c:legendPos val="b"/>
-      <c:layout/>
       <c:overlay val="0"/>
       <c:spPr>
         <a:noFill/>
@@ -9600,7 +9570,6 @@
           </a:p>
         </c:rich>
       </c:tx>
-      <c:layout/>
       <c:overlay val="0"/>
       <c:spPr>
         <a:noFill/>
@@ -10270,7 +10239,6 @@
     </c:plotArea>
     <c:legend>
       <c:legendPos val="b"/>
-      <c:layout/>
       <c:overlay val="0"/>
       <c:spPr>
         <a:noFill/>
@@ -10391,7 +10359,6 @@
           </a:p>
         </c:rich>
       </c:tx>
-      <c:layout/>
       <c:overlay val="0"/>
       <c:spPr>
         <a:noFill/>
@@ -10862,7 +10829,6 @@
     </c:plotArea>
     <c:legend>
       <c:legendPos val="b"/>
-      <c:layout/>
       <c:overlay val="0"/>
       <c:spPr>
         <a:noFill/>
@@ -18566,97 +18532,6 @@
 </p:notes>
 </file>
 
-<file path=ppt/notesSlides/notesSlide10.xml><?xml version="1.0" encoding="utf-8"?>
-<p:notes xmlns:a="http://schemas.openxmlformats.org/drawingml/2006/main" xmlns:r="http://schemas.openxmlformats.org/officeDocument/2006/relationships" xmlns:p="http://schemas.openxmlformats.org/presentationml/2006/main">
-  <p:cSld>
-    <p:spTree>
-      <p:nvGrpSpPr>
-        <p:cNvPr id="1" name=""/>
-        <p:cNvGrpSpPr/>
-        <p:nvPr/>
-      </p:nvGrpSpPr>
-      <p:grpSpPr>
-        <a:xfrm>
-          <a:off x="0" y="0"/>
-          <a:ext cx="0" cy="0"/>
-          <a:chOff x="0" y="0"/>
-          <a:chExt cx="0" cy="0"/>
-        </a:xfrm>
-      </p:grpSpPr>
-      <p:sp>
-        <p:nvSpPr>
-          <p:cNvPr id="2" name="Espaço reservado para a imagem do slide 1"/>
-          <p:cNvSpPr>
-            <a:spLocks noGrp="1" noRot="1" noChangeAspect="1"/>
-          </p:cNvSpPr>
-          <p:nvPr>
-            <p:ph type="sldImg"/>
-          </p:nvPr>
-        </p:nvSpPr>
-        <p:spPr>
-          <a:xfrm>
-            <a:off x="1371600" y="1143000"/>
-            <a:ext cx="4114800" cy="3086100"/>
-          </a:xfrm>
-        </p:spPr>
-      </p:sp>
-      <p:sp>
-        <p:nvSpPr>
-          <p:cNvPr id="3" name="Espaço reservado para anotações 2"/>
-          <p:cNvSpPr>
-            <a:spLocks noGrp="1"/>
-          </p:cNvSpPr>
-          <p:nvPr>
-            <p:ph type="body" idx="1"/>
-          </p:nvPr>
-        </p:nvSpPr>
-        <p:spPr/>
-        <p:txBody>
-          <a:bodyPr rtlCol="0"/>
-          <a:lstStyle/>
-          <a:p>
-            <a:pPr rtl="0"/>
-            <a:endParaRPr lang="pt-BR"/>
-          </a:p>
-        </p:txBody>
-      </p:sp>
-      <p:sp>
-        <p:nvSpPr>
-          <p:cNvPr id="4" name="Espaço reservado para o número do slide 3"/>
-          <p:cNvSpPr>
-            <a:spLocks noGrp="1"/>
-          </p:cNvSpPr>
-          <p:nvPr>
-            <p:ph type="sldNum" sz="quarter" idx="5"/>
-          </p:nvPr>
-        </p:nvSpPr>
-        <p:spPr/>
-        <p:txBody>
-          <a:bodyPr rtlCol="0"/>
-          <a:lstStyle/>
-          <a:p>
-            <a:pPr rtl="0"/>
-            <a:fld id="{1734D747-9380-41EE-9946-EC9EC0CA5D1E}" type="slidenum">
-              <a:rPr lang="pt-BR" smtClean="0"/>
-              <a:t>21</a:t>
-            </a:fld>
-            <a:endParaRPr lang="pt-BR"/>
-          </a:p>
-        </p:txBody>
-      </p:sp>
-    </p:spTree>
-    <p:extLst>
-      <p:ext uri="{BB962C8B-B14F-4D97-AF65-F5344CB8AC3E}">
-        <p14:creationId xmlns:p14="http://schemas.microsoft.com/office/powerpoint/2010/main" val="147783104"/>
-      </p:ext>
-    </p:extLst>
-  </p:cSld>
-  <p:clrMapOvr>
-    <a:masterClrMapping/>
-  </p:clrMapOvr>
-</p:notes>
-</file>
-
 <file path=ppt/notesSlides/notesSlide2.xml><?xml version="1.0" encoding="utf-8"?>
 <p:notes xmlns:a="http://schemas.openxmlformats.org/drawingml/2006/main" xmlns:r="http://schemas.openxmlformats.org/officeDocument/2006/relationships" xmlns:p="http://schemas.openxmlformats.org/presentationml/2006/main">
   <p:cSld>
@@ -19259,7 +19134,7 @@
       </p:sp>
       <p:sp>
         <p:nvSpPr>
-          <p:cNvPr id="4" name="Espaço Reservado para o Número do Slide 3"/>
+          <p:cNvPr id="4" name="Espaço reservado para o número do slide 3"/>
           <p:cNvSpPr>
             <a:spLocks noGrp="1"/>
           </p:cNvSpPr>
@@ -19284,98 +19159,7 @@
     </p:spTree>
     <p:extLst>
       <p:ext uri="{BB962C8B-B14F-4D97-AF65-F5344CB8AC3E}">
-        <p14:creationId xmlns:p14="http://schemas.microsoft.com/office/powerpoint/2010/main" val="1841121318"/>
-      </p:ext>
-    </p:extLst>
-  </p:cSld>
-  <p:clrMapOvr>
-    <a:masterClrMapping/>
-  </p:clrMapOvr>
-</p:notes>
-</file>
-
-<file path=ppt/notesSlides/notesSlide9.xml><?xml version="1.0" encoding="utf-8"?>
-<p:notes xmlns:a="http://schemas.openxmlformats.org/drawingml/2006/main" xmlns:r="http://schemas.openxmlformats.org/officeDocument/2006/relationships" xmlns:p="http://schemas.openxmlformats.org/presentationml/2006/main">
-  <p:cSld>
-    <p:spTree>
-      <p:nvGrpSpPr>
-        <p:cNvPr id="1" name=""/>
-        <p:cNvGrpSpPr/>
-        <p:nvPr/>
-      </p:nvGrpSpPr>
-      <p:grpSpPr>
-        <a:xfrm>
-          <a:off x="0" y="0"/>
-          <a:ext cx="0" cy="0"/>
-          <a:chOff x="0" y="0"/>
-          <a:chExt cx="0" cy="0"/>
-        </a:xfrm>
-      </p:grpSpPr>
-      <p:sp>
-        <p:nvSpPr>
-          <p:cNvPr id="2" name="Espaço reservado para a imagem do slide 1"/>
-          <p:cNvSpPr>
-            <a:spLocks noGrp="1" noRot="1" noChangeAspect="1"/>
-          </p:cNvSpPr>
-          <p:nvPr>
-            <p:ph type="sldImg"/>
-          </p:nvPr>
-        </p:nvSpPr>
-        <p:spPr>
-          <a:xfrm>
-            <a:off x="1371600" y="1143000"/>
-            <a:ext cx="4114800" cy="3086100"/>
-          </a:xfrm>
-        </p:spPr>
-      </p:sp>
-      <p:sp>
-        <p:nvSpPr>
-          <p:cNvPr id="3" name="Espaço reservado para anotações 2"/>
-          <p:cNvSpPr>
-            <a:spLocks noGrp="1"/>
-          </p:cNvSpPr>
-          <p:nvPr>
-            <p:ph type="body" idx="1"/>
-          </p:nvPr>
-        </p:nvSpPr>
-        <p:spPr/>
-        <p:txBody>
-          <a:bodyPr rtlCol="0"/>
-          <a:lstStyle/>
-          <a:p>
-            <a:pPr rtl="0"/>
-            <a:endParaRPr lang="pt-BR"/>
-          </a:p>
-        </p:txBody>
-      </p:sp>
-      <p:sp>
-        <p:nvSpPr>
-          <p:cNvPr id="4" name="Espaço reservado para o número do slide 3"/>
-          <p:cNvSpPr>
-            <a:spLocks noGrp="1"/>
-          </p:cNvSpPr>
-          <p:nvPr>
-            <p:ph type="sldNum" sz="quarter" idx="5"/>
-          </p:nvPr>
-        </p:nvSpPr>
-        <p:spPr/>
-        <p:txBody>
-          <a:bodyPr rtlCol="0"/>
-          <a:lstStyle/>
-          <a:p>
-            <a:pPr rtl="0"/>
-            <a:fld id="{1734D747-9380-41EE-9946-EC9EC0CA5D1E}" type="slidenum">
-              <a:rPr lang="pt-BR" smtClean="0"/>
-              <a:t>20</a:t>
-            </a:fld>
-            <a:endParaRPr lang="pt-BR"/>
-          </a:p>
-        </p:txBody>
-      </p:sp>
-    </p:spTree>
-    <p:extLst>
-      <p:ext uri="{BB962C8B-B14F-4D97-AF65-F5344CB8AC3E}">
-        <p14:creationId xmlns:p14="http://schemas.microsoft.com/office/powerpoint/2010/main" val="2885186647"/>
+        <p14:creationId xmlns:p14="http://schemas.microsoft.com/office/powerpoint/2010/main" val="147783104"/>
       </p:ext>
     </p:extLst>
   </p:cSld>
@@ -43016,25 +42800,44 @@
           <a:p>
             <a:r>
               <a:rPr lang="pt-BR" dirty="0" smtClean="0"/>
-              <a:t>Adriano Maia</a:t>
+              <a:t>Adriano </a:t>
             </a:r>
+            <a:r>
+              <a:rPr lang="pt-BR" dirty="0" smtClean="0"/>
+              <a:t>Maia		RA: 1900390</a:t>
+            </a:r>
+            <a:endParaRPr lang="pt-BR" dirty="0" smtClean="0"/>
           </a:p>
           <a:p>
             <a:r>
               <a:rPr lang="pt-BR" dirty="0" smtClean="0"/>
-              <a:t>Bruno Barroca</a:t>
+              <a:t>Bruno </a:t>
             </a:r>
+            <a:r>
+              <a:rPr lang="pt-BR" dirty="0" smtClean="0"/>
+              <a:t>Barroca	RA: 1900794</a:t>
+            </a:r>
+            <a:endParaRPr lang="pt-BR" dirty="0" smtClean="0"/>
           </a:p>
           <a:p>
             <a:r>
               <a:rPr lang="pt-BR" dirty="0" smtClean="0"/>
-              <a:t>Felipe C. Lau</a:t>
+              <a:t>Felipe C. </a:t>
             </a:r>
+            <a:r>
+              <a:rPr lang="pt-BR" dirty="0" smtClean="0"/>
+              <a:t>Lau	RA: 1900416</a:t>
+            </a:r>
+            <a:endParaRPr lang="pt-BR" dirty="0" smtClean="0"/>
           </a:p>
           <a:p>
             <a:r>
-              <a:rPr lang="pt-BR" dirty="0" smtClean="0"/>
-              <a:t>Leticia Marques</a:t>
+              <a:rPr lang="pt-BR" smtClean="0"/>
+              <a:t>Leticia </a:t>
+            </a:r>
+            <a:r>
+              <a:rPr lang="pt-BR" smtClean="0"/>
+              <a:t>Marques	RA: 1802200</a:t>
             </a:r>
             <a:endParaRPr lang="pt-BR" dirty="0"/>
           </a:p>
@@ -44720,11 +44523,11 @@
   <p:clrMapOvr>
     <a:masterClrMapping/>
   </p:clrMapOvr>
-  <mc:AlternateContent xmlns:mc="http://schemas.openxmlformats.org/markup-compatibility/2006">
-    <mc:Choice xmlns:p14="http://schemas.microsoft.com/office/powerpoint/2010/main" Requires="p14">
+  <mc:AlternateContent xmlns:mc="http://schemas.openxmlformats.org/markup-compatibility/2006" xmlns:p14="http://schemas.microsoft.com/office/powerpoint/2010/main">
+    <mc:Choice Requires="p14">
       <p:transition spd="slow" p14:dur="2000"/>
     </mc:Choice>
-    <mc:Fallback>
+    <mc:Fallback xmlns="">
       <p:transition spd="slow"/>
     </mc:Fallback>
   </mc:AlternateContent>
@@ -45032,11 +44835,11 @@
   <p:clrMapOvr>
     <a:masterClrMapping/>
   </p:clrMapOvr>
-  <mc:AlternateContent xmlns:mc="http://schemas.openxmlformats.org/markup-compatibility/2006">
-    <mc:Choice xmlns:p14="http://schemas.microsoft.com/office/powerpoint/2010/main" Requires="p14">
+  <mc:AlternateContent xmlns:mc="http://schemas.openxmlformats.org/markup-compatibility/2006" xmlns:p14="http://schemas.microsoft.com/office/powerpoint/2010/main">
+    <mc:Choice Requires="p14">
       <p:transition spd="slow" p14:dur="2000"/>
     </mc:Choice>
-    <mc:Fallback>
+    <mc:Fallback xmlns="">
       <p:transition spd="slow"/>
     </mc:Fallback>
   </mc:AlternateContent>
@@ -45069,10 +44872,10 @@
       </p:grpSpPr>
       <p:sp>
         <p:nvSpPr>
-          <p:cNvPr id="4" name="Título 3">
+          <p:cNvPr id="2" name="Título 1">
             <a:extLst>
               <a:ext uri="{FF2B5EF4-FFF2-40B4-BE49-F238E27FC236}">
-                <a16:creationId xmlns:a16="http://schemas.microsoft.com/office/drawing/2014/main" id="{315E3981-F0D7-482C-A8E0-6A57700BECA7}"/>
+                <a16:creationId xmlns:a16="http://schemas.microsoft.com/office/drawing/2014/main" id="{632BE5BF-9922-45FB-8F3F-4446D40A051B}"/>
               </a:ext>
             </a:extLst>
           </p:cNvPr>
@@ -45080,7 +44883,7 @@
             <a:spLocks noGrp="1"/>
           </p:cNvSpPr>
           <p:nvPr>
-            <p:ph type="title"/>
+            <p:ph type="ctrTitle"/>
           </p:nvPr>
         </p:nvSpPr>
         <p:spPr/>
@@ -45091,566 +44894,24 @@
             <a:pPr rtl="0"/>
             <a:r>
               <a:rPr lang="pt-BR"/>
-              <a:t>Título do Conteúdo</a:t>
+              <a:t>Obrigado</a:t>
             </a:r>
-          </a:p>
-        </p:txBody>
-      </p:sp>
-      <p:sp>
-        <p:nvSpPr>
-          <p:cNvPr id="2" name="Espaço Reservado para o Número do Slide 1">
-            <a:extLst>
-              <a:ext uri="{FF2B5EF4-FFF2-40B4-BE49-F238E27FC236}">
-                <a16:creationId xmlns:a16="http://schemas.microsoft.com/office/drawing/2014/main" id="{520FC4EE-F318-4344-9E3C-B950ADB63865}"/>
-              </a:ext>
-            </a:extLst>
-          </p:cNvPr>
-          <p:cNvSpPr>
-            <a:spLocks noGrp="1"/>
-          </p:cNvSpPr>
-          <p:nvPr>
-            <p:ph type="sldNum" sz="quarter" idx="12"/>
-          </p:nvPr>
-        </p:nvSpPr>
-        <p:spPr/>
-        <p:txBody>
-          <a:bodyPr rtlCol="0"/>
-          <a:lstStyle/>
-          <a:p>
-            <a:pPr rtl="0"/>
-            <a:fld id="{C263D6C4-4840-40CC-AC84-17E24B3B7BDE}" type="slidenum">
-              <a:rPr lang="pt-BR" smtClean="0"/>
-              <a:pPr rtl="0"/>
-              <a:t>19</a:t>
-            </a:fld>
-            <a:endParaRPr lang="pt-BR"/>
-          </a:p>
-        </p:txBody>
-      </p:sp>
-      <p:sp>
-        <p:nvSpPr>
-          <p:cNvPr id="7" name="Espaço Reservado para Texto 6">
-            <a:extLst>
-              <a:ext uri="{FF2B5EF4-FFF2-40B4-BE49-F238E27FC236}">
-                <a16:creationId xmlns:a16="http://schemas.microsoft.com/office/drawing/2014/main" id="{B74126B4-1E6C-4FFF-9282-40E18A85A07F}"/>
-              </a:ext>
-            </a:extLst>
-          </p:cNvPr>
-          <p:cNvSpPr>
-            <a:spLocks noGrp="1"/>
-          </p:cNvSpPr>
-          <p:nvPr>
-            <p:ph type="body" sz="quarter" idx="1"/>
-          </p:nvPr>
-        </p:nvSpPr>
-        <p:spPr/>
-        <p:txBody>
-          <a:bodyPr rtlCol="0"/>
-          <a:lstStyle/>
-          <a:p>
-            <a:pPr rtl="0"/>
-            <a:r>
-              <a:rPr lang="pt-BR" dirty="0" err="1"/>
-              <a:t>Lorem</a:t>
-            </a:r>
-            <a:r>
-              <a:rPr lang="pt-BR" dirty="0"/>
-              <a:t> ipsum </a:t>
-            </a:r>
-            <a:r>
-              <a:rPr lang="pt-BR" dirty="0" err="1"/>
-              <a:t>dolor</a:t>
-            </a:r>
-            <a:r>
-              <a:rPr lang="pt-BR" dirty="0"/>
-              <a:t> </a:t>
-            </a:r>
-            <a:r>
-              <a:rPr lang="pt-BR" dirty="0" err="1"/>
-              <a:t>sit</a:t>
-            </a:r>
-            <a:r>
-              <a:rPr lang="pt-BR" dirty="0"/>
-              <a:t> </a:t>
-            </a:r>
-            <a:r>
-              <a:rPr lang="pt-BR" dirty="0" err="1"/>
-              <a:t>amet</a:t>
-            </a:r>
-            <a:endParaRPr lang="pt-BR" dirty="0"/>
-          </a:p>
-        </p:txBody>
-      </p:sp>
-      <p:sp>
-        <p:nvSpPr>
-          <p:cNvPr id="5" name="Espaço Reservado para Texto 4">
-            <a:extLst>
-              <a:ext uri="{FF2B5EF4-FFF2-40B4-BE49-F238E27FC236}">
-                <a16:creationId xmlns:a16="http://schemas.microsoft.com/office/drawing/2014/main" id="{E0C87788-476B-4620-8002-A5C1177AD6C1}"/>
-              </a:ext>
-            </a:extLst>
-          </p:cNvPr>
-          <p:cNvSpPr>
-            <a:spLocks noGrp="1"/>
-          </p:cNvSpPr>
-          <p:nvPr>
-            <p:ph type="body" sz="quarter" idx="3"/>
-          </p:nvPr>
-        </p:nvSpPr>
-        <p:spPr/>
-        <p:txBody>
-          <a:bodyPr rtlCol="0"/>
-          <a:lstStyle/>
-          <a:p>
-            <a:pPr rtl="0"/>
-            <a:r>
-              <a:rPr lang="pt-BR"/>
-              <a:t>Lorem ipsum dolor sit amet</a:t>
-            </a:r>
-          </a:p>
-        </p:txBody>
-      </p:sp>
-      <p:sp>
-        <p:nvSpPr>
-          <p:cNvPr id="8" name="Espaço Reservado para Texto 7">
-            <a:extLst>
-              <a:ext uri="{FF2B5EF4-FFF2-40B4-BE49-F238E27FC236}">
-                <a16:creationId xmlns:a16="http://schemas.microsoft.com/office/drawing/2014/main" id="{47DC4E62-1A34-4F98-A451-214F1808519C}"/>
-              </a:ext>
-            </a:extLst>
-          </p:cNvPr>
-          <p:cNvSpPr>
-            <a:spLocks noGrp="1"/>
-          </p:cNvSpPr>
-          <p:nvPr>
-            <p:ph type="body" sz="quarter" idx="2"/>
-          </p:nvPr>
-        </p:nvSpPr>
-        <p:spPr>
-          <a:xfrm>
-            <a:off x="333376" y="2505075"/>
-            <a:ext cx="3270884" cy="1236345"/>
-          </a:xfrm>
-        </p:spPr>
-        <p:txBody>
-          <a:bodyPr rtlCol="0">
-            <a:normAutofit fontScale="77500" lnSpcReduction="20000"/>
-          </a:bodyPr>
-          <a:lstStyle/>
-          <a:p>
-            <a:pPr rtl="0"/>
-            <a:r>
-              <a:rPr lang="pt-BR" dirty="0" err="1"/>
-              <a:t>Lorem</a:t>
-            </a:r>
-            <a:r>
-              <a:rPr lang="pt-BR" dirty="0"/>
-              <a:t> ipsum </a:t>
-            </a:r>
-            <a:r>
-              <a:rPr lang="pt-BR" dirty="0" err="1"/>
-              <a:t>dolor</a:t>
-            </a:r>
-            <a:r>
-              <a:rPr lang="pt-BR" dirty="0"/>
-              <a:t> </a:t>
-            </a:r>
-            <a:r>
-              <a:rPr lang="pt-BR" dirty="0" err="1"/>
-              <a:t>sit</a:t>
-            </a:r>
-            <a:r>
-              <a:rPr lang="pt-BR" dirty="0"/>
-              <a:t> </a:t>
-            </a:r>
-            <a:r>
-              <a:rPr lang="pt-BR" dirty="0" err="1"/>
-              <a:t>amet</a:t>
-            </a:r>
-            <a:r>
-              <a:rPr lang="pt-BR" dirty="0"/>
-              <a:t>, </a:t>
-            </a:r>
-            <a:r>
-              <a:rPr lang="pt-BR" dirty="0" err="1"/>
-              <a:t>consectetuer</a:t>
-            </a:r>
-            <a:r>
-              <a:rPr lang="pt-BR" dirty="0"/>
-              <a:t> </a:t>
-            </a:r>
-            <a:r>
-              <a:rPr lang="pt-BR" dirty="0" err="1"/>
-              <a:t>adipiscing</a:t>
-            </a:r>
-            <a:r>
-              <a:rPr lang="pt-BR" dirty="0"/>
-              <a:t> </a:t>
-            </a:r>
-            <a:r>
-              <a:rPr lang="pt-BR" dirty="0" err="1"/>
-              <a:t>elit</a:t>
-            </a:r>
-            <a:r>
-              <a:rPr lang="pt-BR" dirty="0"/>
-              <a:t>. </a:t>
-            </a:r>
-            <a:r>
-              <a:rPr lang="pt-BR" dirty="0" err="1"/>
-              <a:t>Maecenas</a:t>
-            </a:r>
-            <a:r>
-              <a:rPr lang="pt-BR" dirty="0"/>
-              <a:t> </a:t>
-            </a:r>
-            <a:r>
-              <a:rPr lang="pt-BR" dirty="0" err="1"/>
-              <a:t>porttitor</a:t>
-            </a:r>
-            <a:r>
-              <a:rPr lang="pt-BR" dirty="0"/>
-              <a:t> </a:t>
-            </a:r>
-            <a:r>
-              <a:rPr lang="pt-BR" dirty="0" err="1"/>
-              <a:t>congue</a:t>
-            </a:r>
-            <a:r>
-              <a:rPr lang="pt-BR" dirty="0"/>
-              <a:t> massa. </a:t>
-            </a:r>
-            <a:r>
-              <a:rPr lang="pt-BR" dirty="0" err="1"/>
-              <a:t>Fusce</a:t>
-            </a:r>
-            <a:r>
-              <a:rPr lang="pt-BR" dirty="0"/>
-              <a:t> </a:t>
-            </a:r>
-            <a:r>
-              <a:rPr lang="pt-BR" dirty="0" err="1"/>
-              <a:t>posuere</a:t>
-            </a:r>
-            <a:r>
-              <a:rPr lang="pt-BR" dirty="0"/>
-              <a:t>, magna </a:t>
-            </a:r>
-            <a:r>
-              <a:rPr lang="pt-BR" dirty="0" err="1"/>
-              <a:t>sed</a:t>
-            </a:r>
-            <a:r>
-              <a:rPr lang="pt-BR" dirty="0"/>
-              <a:t> </a:t>
-            </a:r>
-            <a:r>
-              <a:rPr lang="pt-BR" dirty="0" err="1"/>
-              <a:t>pulvinar</a:t>
-            </a:r>
-            <a:r>
-              <a:rPr lang="pt-BR" dirty="0"/>
-              <a:t> </a:t>
-            </a:r>
-            <a:r>
-              <a:rPr lang="pt-BR" dirty="0" err="1"/>
-              <a:t>ultricies</a:t>
-            </a:r>
-            <a:r>
-              <a:rPr lang="pt-BR" dirty="0"/>
-              <a:t>, </a:t>
-            </a:r>
-            <a:r>
-              <a:rPr lang="pt-BR" dirty="0" err="1"/>
-              <a:t>purus</a:t>
-            </a:r>
-            <a:r>
-              <a:rPr lang="pt-BR" dirty="0"/>
-              <a:t> </a:t>
-            </a:r>
-            <a:r>
-              <a:rPr lang="pt-BR" dirty="0" err="1"/>
-              <a:t>lectus</a:t>
-            </a:r>
-            <a:r>
-              <a:rPr lang="pt-BR" dirty="0"/>
-              <a:t> </a:t>
-            </a:r>
-            <a:r>
-              <a:rPr lang="pt-BR" dirty="0" err="1"/>
-              <a:t>malesuada</a:t>
-            </a:r>
-            <a:r>
-              <a:rPr lang="pt-BR" dirty="0"/>
-              <a:t> libero, </a:t>
-            </a:r>
-            <a:r>
-              <a:rPr lang="pt-BR" dirty="0" err="1"/>
-              <a:t>sit</a:t>
-            </a:r>
-            <a:r>
-              <a:rPr lang="pt-BR" dirty="0"/>
-              <a:t> </a:t>
-            </a:r>
-            <a:r>
-              <a:rPr lang="pt-BR" dirty="0" err="1"/>
-              <a:t>amet</a:t>
-            </a:r>
-            <a:r>
-              <a:rPr lang="pt-BR" dirty="0"/>
-              <a:t> </a:t>
-            </a:r>
-            <a:r>
-              <a:rPr lang="pt-BR" dirty="0" err="1"/>
-              <a:t>commodo</a:t>
-            </a:r>
-            <a:r>
-              <a:rPr lang="pt-BR" dirty="0"/>
-              <a:t> magna </a:t>
-            </a:r>
-            <a:r>
-              <a:rPr lang="pt-BR" dirty="0" err="1"/>
-              <a:t>eros</a:t>
-            </a:r>
-            <a:r>
-              <a:rPr lang="pt-BR" dirty="0"/>
-              <a:t> quis urna. Nunc </a:t>
-            </a:r>
-            <a:r>
-              <a:rPr lang="pt-BR" dirty="0" err="1"/>
-              <a:t>viverra</a:t>
-            </a:r>
-            <a:r>
-              <a:rPr lang="pt-BR" dirty="0"/>
-              <a:t> </a:t>
-            </a:r>
-            <a:r>
-              <a:rPr lang="pt-BR" dirty="0" err="1"/>
-              <a:t>imperdiet</a:t>
-            </a:r>
-            <a:r>
-              <a:rPr lang="pt-BR" dirty="0"/>
-              <a:t> </a:t>
-            </a:r>
-            <a:r>
-              <a:rPr lang="pt-BR" dirty="0" err="1"/>
-              <a:t>enim</a:t>
-            </a:r>
-            <a:r>
-              <a:rPr lang="pt-BR" dirty="0"/>
-              <a:t>. </a:t>
-            </a:r>
-            <a:r>
-              <a:rPr lang="pt-BR" dirty="0" err="1"/>
-              <a:t>Fusce</a:t>
-            </a:r>
-            <a:r>
-              <a:rPr lang="pt-BR" dirty="0"/>
-              <a:t> est. </a:t>
-            </a:r>
-            <a:r>
-              <a:rPr lang="pt-BR" dirty="0" err="1"/>
-              <a:t>Vivamus</a:t>
-            </a:r>
-            <a:r>
-              <a:rPr lang="pt-BR" dirty="0"/>
-              <a:t> a </a:t>
-            </a:r>
-            <a:r>
-              <a:rPr lang="pt-BR" dirty="0" err="1"/>
-              <a:t>tellus</a:t>
-            </a:r>
-            <a:r>
-              <a:rPr lang="pt-BR" dirty="0"/>
-              <a:t>.</a:t>
-            </a:r>
-          </a:p>
-          <a:p>
-            <a:pPr rtl="0"/>
-            <a:r>
-              <a:rPr lang="pt-BR" dirty="0" err="1"/>
-              <a:t>Pellentesque</a:t>
-            </a:r>
-            <a:r>
-              <a:rPr lang="pt-BR" dirty="0"/>
-              <a:t> </a:t>
-            </a:r>
-            <a:r>
-              <a:rPr lang="pt-BR" dirty="0" err="1"/>
-              <a:t>habitant</a:t>
-            </a:r>
-            <a:r>
-              <a:rPr lang="pt-BR" dirty="0"/>
-              <a:t> </a:t>
-            </a:r>
-            <a:r>
-              <a:rPr lang="pt-BR" dirty="0" err="1"/>
-              <a:t>morbi</a:t>
-            </a:r>
-            <a:r>
-              <a:rPr lang="pt-BR" dirty="0"/>
-              <a:t> </a:t>
-            </a:r>
-            <a:r>
-              <a:rPr lang="pt-BR" dirty="0" err="1"/>
-              <a:t>tristique</a:t>
-            </a:r>
-            <a:r>
-              <a:rPr lang="pt-BR" dirty="0"/>
-              <a:t> </a:t>
-            </a:r>
-            <a:r>
-              <a:rPr lang="pt-BR" dirty="0" err="1"/>
-              <a:t>senectus</a:t>
-            </a:r>
-            <a:r>
-              <a:rPr lang="pt-BR" dirty="0"/>
-              <a:t> et </a:t>
-            </a:r>
-            <a:r>
-              <a:rPr lang="pt-BR" dirty="0" err="1"/>
-              <a:t>netus</a:t>
-            </a:r>
-            <a:r>
-              <a:rPr lang="pt-BR" dirty="0"/>
-              <a:t> et </a:t>
-            </a:r>
-            <a:r>
-              <a:rPr lang="pt-BR" dirty="0" err="1"/>
-              <a:t>malesuada</a:t>
-            </a:r>
-            <a:r>
-              <a:rPr lang="pt-BR" dirty="0"/>
-              <a:t> fames ac </a:t>
-            </a:r>
-            <a:r>
-              <a:rPr lang="pt-BR" dirty="0" err="1"/>
-              <a:t>turpis</a:t>
-            </a:r>
-            <a:r>
-              <a:rPr lang="pt-BR" dirty="0"/>
-              <a:t> </a:t>
-            </a:r>
-            <a:r>
-              <a:rPr lang="pt-BR" dirty="0" err="1"/>
-              <a:t>egestas</a:t>
-            </a:r>
-            <a:r>
-              <a:rPr lang="pt-BR" dirty="0"/>
-              <a:t>. </a:t>
-            </a:r>
-            <a:r>
-              <a:rPr lang="pt-BR" dirty="0" err="1"/>
-              <a:t>Proin</a:t>
-            </a:r>
-            <a:r>
-              <a:rPr lang="pt-BR" dirty="0"/>
-              <a:t> </a:t>
-            </a:r>
-            <a:r>
-              <a:rPr lang="pt-BR" dirty="0" err="1"/>
-              <a:t>pharetra</a:t>
-            </a:r>
-            <a:r>
-              <a:rPr lang="pt-BR" dirty="0"/>
-              <a:t> </a:t>
-            </a:r>
-            <a:r>
-              <a:rPr lang="pt-BR" dirty="0" err="1"/>
-              <a:t>nonummy</a:t>
-            </a:r>
-            <a:r>
-              <a:rPr lang="pt-BR" dirty="0"/>
-              <a:t> pede. </a:t>
-            </a:r>
-            <a:r>
-              <a:rPr lang="pt-BR" dirty="0" err="1"/>
-              <a:t>Mauris</a:t>
-            </a:r>
-            <a:r>
-              <a:rPr lang="pt-BR" dirty="0"/>
-              <a:t> et </a:t>
-            </a:r>
-            <a:r>
-              <a:rPr lang="pt-BR" dirty="0" err="1"/>
-              <a:t>orci</a:t>
-            </a:r>
-            <a:r>
-              <a:rPr lang="pt-BR" dirty="0"/>
-              <a:t>.</a:t>
-            </a:r>
-          </a:p>
-          <a:p>
-            <a:pPr rtl="0"/>
-            <a:endParaRPr lang="pt-BR" dirty="0"/>
-          </a:p>
-          <a:p>
-            <a:pPr rtl="0"/>
-            <a:endParaRPr lang="pt-BR" dirty="0"/>
-          </a:p>
-        </p:txBody>
-      </p:sp>
-      <p:sp>
-        <p:nvSpPr>
-          <p:cNvPr id="6" name="Espaço Reservado para Texto 5">
-            <a:extLst>
-              <a:ext uri="{FF2B5EF4-FFF2-40B4-BE49-F238E27FC236}">
-                <a16:creationId xmlns:a16="http://schemas.microsoft.com/office/drawing/2014/main" id="{000A9570-5EF6-4AFB-9FCA-7C8998E3FEB1}"/>
-              </a:ext>
-            </a:extLst>
-          </p:cNvPr>
-          <p:cNvSpPr>
-            <a:spLocks noGrp="1"/>
-          </p:cNvSpPr>
-          <p:nvPr>
-            <p:ph type="body" sz="quarter" idx="4"/>
-          </p:nvPr>
-        </p:nvSpPr>
-        <p:spPr/>
-        <p:txBody>
-          <a:bodyPr rtlCol="0"/>
-          <a:lstStyle/>
-          <a:p>
-            <a:pPr rtl="0"/>
-            <a:r>
-              <a:rPr lang="pt-BR"/>
-              <a:t>Lorem ipsum dolor sit amet, consectetuer adipiscing elit. Maecenas porttitor congue massa. Fusce posuere, magna sed pulvinar ultricies, purus lectus malesuada libero, sit amet commodo magna eros quis urna. Nunc viverra imperdiet enim. Fusce est. Vivamus a tellus.</a:t>
-            </a:r>
-          </a:p>
-          <a:p>
-            <a:pPr rtl="0"/>
-            <a:r>
-              <a:rPr lang="pt-BR"/>
-              <a:t>Pellentesque habitant morbi tristique senectus et netus et malesuada fames ac turpis egestas. Proin pharetra nonummy pede. Mauris et orci.</a:t>
-            </a:r>
-          </a:p>
-          <a:p>
-            <a:pPr rtl="0"/>
-            <a:endParaRPr lang="pt-BR"/>
           </a:p>
         </p:txBody>
       </p:sp>
     </p:spTree>
     <p:extLst>
       <p:ext uri="{BB962C8B-B14F-4D97-AF65-F5344CB8AC3E}">
-        <p14:creationId xmlns:p14="http://schemas.microsoft.com/office/powerpoint/2010/main" val="3607270498"/>
+        <p14:creationId xmlns:p14="http://schemas.microsoft.com/office/powerpoint/2010/main" val="44069682"/>
       </p:ext>
     </p:extLst>
   </p:cSld>
   <p:clrMapOvr>
     <a:masterClrMapping/>
   </p:clrMapOvr>
-  <mc:AlternateContent xmlns:mc="http://schemas.openxmlformats.org/markup-compatibility/2006" xmlns:p14="http://schemas.microsoft.com/office/powerpoint/2010/main">
-    <mc:Choice Requires="p14">
-      <p:transition spd="med" p14:dur="700">
-        <p:fade/>
-      </p:transition>
-    </mc:Choice>
-    <mc:Fallback xmlns="">
-      <p:transition spd="med">
-        <p:fade/>
-      </p:transition>
-    </mc:Fallback>
-  </mc:AlternateContent>
+  <p:transition spd="slow">
+    <p:wipe/>
+  </p:transition>
   <p:timing>
     <p:tnLst>
       <p:par>
@@ -45765,137 +45026,6 @@
 </p:sld>
 </file>
 
-<file path=ppt/slides/slide20.xml><?xml version="1.0" encoding="utf-8"?>
-<p:sld xmlns:a="http://schemas.openxmlformats.org/drawingml/2006/main" xmlns:r="http://schemas.openxmlformats.org/officeDocument/2006/relationships" xmlns:p="http://schemas.openxmlformats.org/presentationml/2006/main">
-  <p:cSld>
-    <p:spTree>
-      <p:nvGrpSpPr>
-        <p:cNvPr id="1" name=""/>
-        <p:cNvGrpSpPr/>
-        <p:nvPr/>
-      </p:nvGrpSpPr>
-      <p:grpSpPr>
-        <a:xfrm>
-          <a:off x="0" y="0"/>
-          <a:ext cx="0" cy="0"/>
-          <a:chOff x="0" y="0"/>
-          <a:chExt cx="0" cy="0"/>
-        </a:xfrm>
-      </p:grpSpPr>
-      <p:sp>
-        <p:nvSpPr>
-          <p:cNvPr id="2" name="Título 1">
-            <a:extLst>
-              <a:ext uri="{FF2B5EF4-FFF2-40B4-BE49-F238E27FC236}">
-                <a16:creationId xmlns:a16="http://schemas.microsoft.com/office/drawing/2014/main" id="{632BE5BF-9922-45FB-8F3F-4446D40A051B}"/>
-              </a:ext>
-            </a:extLst>
-          </p:cNvPr>
-          <p:cNvSpPr>
-            <a:spLocks noGrp="1"/>
-          </p:cNvSpPr>
-          <p:nvPr>
-            <p:ph type="ctrTitle"/>
-          </p:nvPr>
-        </p:nvSpPr>
-        <p:spPr/>
-        <p:txBody>
-          <a:bodyPr rtlCol="0"/>
-          <a:lstStyle/>
-          <a:p>
-            <a:pPr rtl="0"/>
-            <a:r>
-              <a:rPr lang="pt-BR"/>
-              <a:t>Obrigado</a:t>
-            </a:r>
-          </a:p>
-        </p:txBody>
-      </p:sp>
-    </p:spTree>
-    <p:extLst>
-      <p:ext uri="{BB962C8B-B14F-4D97-AF65-F5344CB8AC3E}">
-        <p14:creationId xmlns:p14="http://schemas.microsoft.com/office/powerpoint/2010/main" val="429771863"/>
-      </p:ext>
-    </p:extLst>
-  </p:cSld>
-  <p:clrMapOvr>
-    <a:masterClrMapping/>
-  </p:clrMapOvr>
-  <p:transition spd="slow">
-    <p:wipe/>
-  </p:transition>
-  <p:timing>
-    <p:tnLst>
-      <p:par>
-        <p:cTn id="1" dur="indefinite" restart="never" nodeType="tmRoot"/>
-      </p:par>
-    </p:tnLst>
-  </p:timing>
-</p:sld>
-</file>
-
-<file path=ppt/slides/slide21.xml><?xml version="1.0" encoding="utf-8"?>
-<p:sld xmlns:a="http://schemas.openxmlformats.org/drawingml/2006/main" xmlns:r="http://schemas.openxmlformats.org/officeDocument/2006/relationships" xmlns:p="http://schemas.openxmlformats.org/presentationml/2006/main">
-  <p:cSld>
-    <p:spTree>
-      <p:nvGrpSpPr>
-        <p:cNvPr id="1" name=""/>
-        <p:cNvGrpSpPr/>
-        <p:nvPr/>
-      </p:nvGrpSpPr>
-      <p:grpSpPr>
-        <a:xfrm>
-          <a:off x="0" y="0"/>
-          <a:ext cx="0" cy="0"/>
-          <a:chOff x="0" y="0"/>
-          <a:chExt cx="0" cy="0"/>
-        </a:xfrm>
-      </p:grpSpPr>
-      <p:sp>
-        <p:nvSpPr>
-          <p:cNvPr id="2" name="Título 1">
-            <a:extLst>
-              <a:ext uri="{FF2B5EF4-FFF2-40B4-BE49-F238E27FC236}">
-                <a16:creationId xmlns:a16="http://schemas.microsoft.com/office/drawing/2014/main" id="{632BE5BF-9922-45FB-8F3F-4446D40A051B}"/>
-              </a:ext>
-            </a:extLst>
-          </p:cNvPr>
-          <p:cNvSpPr>
-            <a:spLocks noGrp="1"/>
-          </p:cNvSpPr>
-          <p:nvPr>
-            <p:ph type="ctrTitle"/>
-          </p:nvPr>
-        </p:nvSpPr>
-        <p:spPr/>
-        <p:txBody>
-          <a:bodyPr rtlCol="0"/>
-          <a:lstStyle/>
-          <a:p>
-            <a:pPr rtl="0"/>
-            <a:r>
-              <a:rPr lang="pt-BR"/>
-              <a:t>Obrigado</a:t>
-            </a:r>
-          </a:p>
-        </p:txBody>
-      </p:sp>
-    </p:spTree>
-    <p:extLst>
-      <p:ext uri="{BB962C8B-B14F-4D97-AF65-F5344CB8AC3E}">
-        <p14:creationId xmlns:p14="http://schemas.microsoft.com/office/powerpoint/2010/main" val="44069682"/>
-      </p:ext>
-    </p:extLst>
-  </p:cSld>
-  <p:clrMapOvr>
-    <a:masterClrMapping/>
-  </p:clrMapOvr>
-  <p:transition spd="slow">
-    <p:wipe/>
-  </p:transition>
-</p:sld>
-</file>
-
 <file path=ppt/slides/slide3.xml><?xml version="1.0" encoding="utf-8"?>
 <p:sld xmlns:a="http://schemas.openxmlformats.org/drawingml/2006/main" xmlns:r="http://schemas.openxmlformats.org/officeDocument/2006/relationships" xmlns:p="http://schemas.openxmlformats.org/presentationml/2006/main">
   <p:cSld>
@@ -45985,7 +45115,6 @@
               <a:rPr lang="pt-BR" dirty="0" smtClean="0"/>
               <a:t>Condições de saúde:</a:t>
             </a:r>
-            <a:endParaRPr lang="pt-BR" dirty="0" smtClean="0"/>
           </a:p>
           <a:p>
             <a:pPr lvl="1"/>
@@ -46023,7 +45152,6 @@
               <a:rPr lang="pt-BR" dirty="0" smtClean="0"/>
               <a:t>Exames:</a:t>
             </a:r>
-            <a:endParaRPr lang="pt-BR" dirty="0" smtClean="0"/>
           </a:p>
           <a:p>
             <a:pPr lvl="1"/>
@@ -46061,7 +45189,6 @@
               <a:rPr lang="pt-BR" dirty="0" smtClean="0"/>
               <a:t>Observações:</a:t>
             </a:r>
-            <a:endParaRPr lang="pt-BR" dirty="0" smtClean="0"/>
           </a:p>
           <a:p>
             <a:pPr lvl="1"/>
@@ -46069,19 +45196,13 @@
               <a:rPr lang="pt-BR" dirty="0" smtClean="0"/>
               <a:t>Idade: considerando os 4 grupos 80% está acima dos 55 anos;</a:t>
             </a:r>
-            <a:endParaRPr lang="pt-BR" dirty="0" smtClean="0"/>
           </a:p>
           <a:p>
             <a:pPr lvl="1"/>
             <a:r>
               <a:rPr lang="pt-BR" dirty="0" smtClean="0"/>
-              <a:t>Pacotes de </a:t>
+              <a:t>Pacotes de cigarro: desvio padrão muito alto em todos os grupos.</a:t>
             </a:r>
-            <a:r>
-              <a:rPr lang="pt-BR" dirty="0" smtClean="0"/>
-              <a:t>cigarro: desvio padrão muito alto em todos os grupos.</a:t>
-            </a:r>
-            <a:endParaRPr lang="pt-BR" dirty="0" smtClean="0"/>
           </a:p>
           <a:p>
             <a:pPr lvl="1"/>
@@ -46090,8 +45211,12 @@
               <a:t>Gramas de álcool por </a:t>
             </a:r>
             <a:r>
+              <a:rPr lang="pt-BR" dirty="0" smtClean="0"/>
+              <a:t>dia: </a:t>
+            </a:r>
+            <a:r>
               <a:rPr lang="pt-BR" dirty="0"/>
-              <a:t>dia; desvio padrão muito alto em todos os grupos.</a:t>
+              <a:t>desvio padrão muito alto em todos os grupos.</a:t>
             </a:r>
           </a:p>
           <a:p>
@@ -46232,12 +45357,12 @@
                     <a:p>
                       <a:pPr algn="ctr" fontAlgn="ctr"/>
                       <a:r>
-                        <a:rPr lang="pt-BR" sz="1000" u="none" strike="noStrike">
+                        <a:rPr lang="pt-BR" sz="1000" u="none" strike="noStrike" dirty="0">
                           <a:effectLst/>
                         </a:rPr>
                         <a:t>Mediana</a:t>
                       </a:r>
-                      <a:endParaRPr lang="pt-BR" sz="1000" b="0" i="0" u="none" strike="noStrike">
+                      <a:endParaRPr lang="pt-BR" sz="1000" b="0" i="0" u="none" strike="noStrike" dirty="0">
                         <a:solidFill>
                           <a:srgbClr val="000000"/>
                         </a:solidFill>
@@ -47255,9 +46380,745 @@
   <p:timing>
     <p:tnLst>
       <p:par>
-        <p:cTn id="1" dur="indefinite" restart="never" nodeType="tmRoot"/>
+        <p:cTn id="1" dur="indefinite" restart="never" nodeType="tmRoot">
+          <p:childTnLst>
+            <p:seq concurrent="1" nextAc="seek">
+              <p:cTn id="2" dur="indefinite" nodeType="mainSeq">
+                <p:childTnLst>
+                  <p:par>
+                    <p:cTn id="3" fill="hold">
+                      <p:stCondLst>
+                        <p:cond delay="indefinite"/>
+                      </p:stCondLst>
+                      <p:childTnLst>
+                        <p:par>
+                          <p:cTn id="4" fill="hold">
+                            <p:stCondLst>
+                              <p:cond delay="0"/>
+                            </p:stCondLst>
+                            <p:childTnLst>
+                              <p:par>
+                                <p:cTn id="5" presetID="1" presetClass="entr" presetSubtype="0" fill="hold" grpId="0" nodeType="clickEffect">
+                                  <p:stCondLst>
+                                    <p:cond delay="0"/>
+                                  </p:stCondLst>
+                                  <p:childTnLst>
+                                    <p:set>
+                                      <p:cBhvr>
+                                        <p:cTn id="6" dur="1" fill="hold">
+                                          <p:stCondLst>
+                                            <p:cond delay="0"/>
+                                          </p:stCondLst>
+                                        </p:cTn>
+                                        <p:tgtEl>
+                                          <p:spTgt spid="7">
+                                            <p:txEl>
+                                              <p:pRg st="0" end="0"/>
+                                            </p:txEl>
+                                          </p:spTgt>
+                                        </p:tgtEl>
+                                        <p:attrNameLst>
+                                          <p:attrName>style.visibility</p:attrName>
+                                        </p:attrNameLst>
+                                      </p:cBhvr>
+                                      <p:to>
+                                        <p:strVal val="visible"/>
+                                      </p:to>
+                                    </p:set>
+                                  </p:childTnLst>
+                                </p:cTn>
+                              </p:par>
+                              <p:par>
+                                <p:cTn id="7" presetID="1" presetClass="entr" presetSubtype="0" fill="hold" grpId="0" nodeType="withEffect">
+                                  <p:stCondLst>
+                                    <p:cond delay="0"/>
+                                  </p:stCondLst>
+                                  <p:childTnLst>
+                                    <p:set>
+                                      <p:cBhvr>
+                                        <p:cTn id="8" dur="1" fill="hold">
+                                          <p:stCondLst>
+                                            <p:cond delay="0"/>
+                                          </p:stCondLst>
+                                        </p:cTn>
+                                        <p:tgtEl>
+                                          <p:spTgt spid="7">
+                                            <p:txEl>
+                                              <p:pRg st="1" end="1"/>
+                                            </p:txEl>
+                                          </p:spTgt>
+                                        </p:tgtEl>
+                                        <p:attrNameLst>
+                                          <p:attrName>style.visibility</p:attrName>
+                                        </p:attrNameLst>
+                                      </p:cBhvr>
+                                      <p:to>
+                                        <p:strVal val="visible"/>
+                                      </p:to>
+                                    </p:set>
+                                  </p:childTnLst>
+                                </p:cTn>
+                              </p:par>
+                              <p:par>
+                                <p:cTn id="9" presetID="1" presetClass="entr" presetSubtype="0" fill="hold" grpId="0" nodeType="withEffect">
+                                  <p:stCondLst>
+                                    <p:cond delay="0"/>
+                                  </p:stCondLst>
+                                  <p:childTnLst>
+                                    <p:set>
+                                      <p:cBhvr>
+                                        <p:cTn id="10" dur="1" fill="hold">
+                                          <p:stCondLst>
+                                            <p:cond delay="0"/>
+                                          </p:stCondLst>
+                                        </p:cTn>
+                                        <p:tgtEl>
+                                          <p:spTgt spid="7">
+                                            <p:txEl>
+                                              <p:pRg st="2" end="2"/>
+                                            </p:txEl>
+                                          </p:spTgt>
+                                        </p:tgtEl>
+                                        <p:attrNameLst>
+                                          <p:attrName>style.visibility</p:attrName>
+                                        </p:attrNameLst>
+                                      </p:cBhvr>
+                                      <p:to>
+                                        <p:strVal val="visible"/>
+                                      </p:to>
+                                    </p:set>
+                                  </p:childTnLst>
+                                </p:cTn>
+                              </p:par>
+                              <p:par>
+                                <p:cTn id="11" presetID="1" presetClass="entr" presetSubtype="0" fill="hold" grpId="0" nodeType="withEffect">
+                                  <p:stCondLst>
+                                    <p:cond delay="0"/>
+                                  </p:stCondLst>
+                                  <p:childTnLst>
+                                    <p:set>
+                                      <p:cBhvr>
+                                        <p:cTn id="12" dur="1" fill="hold">
+                                          <p:stCondLst>
+                                            <p:cond delay="0"/>
+                                          </p:stCondLst>
+                                        </p:cTn>
+                                        <p:tgtEl>
+                                          <p:spTgt spid="7">
+                                            <p:txEl>
+                                              <p:pRg st="3" end="3"/>
+                                            </p:txEl>
+                                          </p:spTgt>
+                                        </p:tgtEl>
+                                        <p:attrNameLst>
+                                          <p:attrName>style.visibility</p:attrName>
+                                        </p:attrNameLst>
+                                      </p:cBhvr>
+                                      <p:to>
+                                        <p:strVal val="visible"/>
+                                      </p:to>
+                                    </p:set>
+                                  </p:childTnLst>
+                                </p:cTn>
+                              </p:par>
+                              <p:par>
+                                <p:cTn id="13" presetID="1" presetClass="entr" presetSubtype="0" fill="hold" grpId="0" nodeType="withEffect">
+                                  <p:stCondLst>
+                                    <p:cond delay="0"/>
+                                  </p:stCondLst>
+                                  <p:childTnLst>
+                                    <p:set>
+                                      <p:cBhvr>
+                                        <p:cTn id="14" dur="1" fill="hold">
+                                          <p:stCondLst>
+                                            <p:cond delay="0"/>
+                                          </p:stCondLst>
+                                        </p:cTn>
+                                        <p:tgtEl>
+                                          <p:spTgt spid="7">
+                                            <p:txEl>
+                                              <p:pRg st="4" end="4"/>
+                                            </p:txEl>
+                                          </p:spTgt>
+                                        </p:tgtEl>
+                                        <p:attrNameLst>
+                                          <p:attrName>style.visibility</p:attrName>
+                                        </p:attrNameLst>
+                                      </p:cBhvr>
+                                      <p:to>
+                                        <p:strVal val="visible"/>
+                                      </p:to>
+                                    </p:set>
+                                  </p:childTnLst>
+                                </p:cTn>
+                              </p:par>
+                            </p:childTnLst>
+                          </p:cTn>
+                        </p:par>
+                      </p:childTnLst>
+                    </p:cTn>
+                  </p:par>
+                  <p:par>
+                    <p:cTn id="15" fill="hold">
+                      <p:stCondLst>
+                        <p:cond delay="indefinite"/>
+                      </p:stCondLst>
+                      <p:childTnLst>
+                        <p:par>
+                          <p:cTn id="16" fill="hold">
+                            <p:stCondLst>
+                              <p:cond delay="0"/>
+                            </p:stCondLst>
+                            <p:childTnLst>
+                              <p:par>
+                                <p:cTn id="17" presetID="1" presetClass="entr" presetSubtype="0" fill="hold" grpId="0" nodeType="clickEffect">
+                                  <p:stCondLst>
+                                    <p:cond delay="0"/>
+                                  </p:stCondLst>
+                                  <p:childTnLst>
+                                    <p:set>
+                                      <p:cBhvr>
+                                        <p:cTn id="18" dur="1" fill="hold">
+                                          <p:stCondLst>
+                                            <p:cond delay="0"/>
+                                          </p:stCondLst>
+                                        </p:cTn>
+                                        <p:tgtEl>
+                                          <p:spTgt spid="7">
+                                            <p:txEl>
+                                              <p:pRg st="6" end="6"/>
+                                            </p:txEl>
+                                          </p:spTgt>
+                                        </p:tgtEl>
+                                        <p:attrNameLst>
+                                          <p:attrName>style.visibility</p:attrName>
+                                        </p:attrNameLst>
+                                      </p:cBhvr>
+                                      <p:to>
+                                        <p:strVal val="visible"/>
+                                      </p:to>
+                                    </p:set>
+                                  </p:childTnLst>
+                                </p:cTn>
+                              </p:par>
+                              <p:par>
+                                <p:cTn id="19" presetID="1" presetClass="entr" presetSubtype="0" fill="hold" grpId="0" nodeType="withEffect">
+                                  <p:stCondLst>
+                                    <p:cond delay="0"/>
+                                  </p:stCondLst>
+                                  <p:childTnLst>
+                                    <p:set>
+                                      <p:cBhvr>
+                                        <p:cTn id="20" dur="1" fill="hold">
+                                          <p:stCondLst>
+                                            <p:cond delay="0"/>
+                                          </p:stCondLst>
+                                        </p:cTn>
+                                        <p:tgtEl>
+                                          <p:spTgt spid="7">
+                                            <p:txEl>
+                                              <p:pRg st="7" end="7"/>
+                                            </p:txEl>
+                                          </p:spTgt>
+                                        </p:tgtEl>
+                                        <p:attrNameLst>
+                                          <p:attrName>style.visibility</p:attrName>
+                                        </p:attrNameLst>
+                                      </p:cBhvr>
+                                      <p:to>
+                                        <p:strVal val="visible"/>
+                                      </p:to>
+                                    </p:set>
+                                  </p:childTnLst>
+                                </p:cTn>
+                              </p:par>
+                              <p:par>
+                                <p:cTn id="21" presetID="1" presetClass="entr" presetSubtype="0" fill="hold" grpId="0" nodeType="withEffect">
+                                  <p:stCondLst>
+                                    <p:cond delay="0"/>
+                                  </p:stCondLst>
+                                  <p:childTnLst>
+                                    <p:set>
+                                      <p:cBhvr>
+                                        <p:cTn id="22" dur="1" fill="hold">
+                                          <p:stCondLst>
+                                            <p:cond delay="0"/>
+                                          </p:stCondLst>
+                                        </p:cTn>
+                                        <p:tgtEl>
+                                          <p:spTgt spid="7">
+                                            <p:txEl>
+                                              <p:pRg st="8" end="8"/>
+                                            </p:txEl>
+                                          </p:spTgt>
+                                        </p:tgtEl>
+                                        <p:attrNameLst>
+                                          <p:attrName>style.visibility</p:attrName>
+                                        </p:attrNameLst>
+                                      </p:cBhvr>
+                                      <p:to>
+                                        <p:strVal val="visible"/>
+                                      </p:to>
+                                    </p:set>
+                                  </p:childTnLst>
+                                </p:cTn>
+                              </p:par>
+                              <p:par>
+                                <p:cTn id="23" presetID="1" presetClass="entr" presetSubtype="0" fill="hold" grpId="0" nodeType="withEffect">
+                                  <p:stCondLst>
+                                    <p:cond delay="0"/>
+                                  </p:stCondLst>
+                                  <p:childTnLst>
+                                    <p:set>
+                                      <p:cBhvr>
+                                        <p:cTn id="24" dur="1" fill="hold">
+                                          <p:stCondLst>
+                                            <p:cond delay="0"/>
+                                          </p:stCondLst>
+                                        </p:cTn>
+                                        <p:tgtEl>
+                                          <p:spTgt spid="7">
+                                            <p:txEl>
+                                              <p:pRg st="9" end="9"/>
+                                            </p:txEl>
+                                          </p:spTgt>
+                                        </p:tgtEl>
+                                        <p:attrNameLst>
+                                          <p:attrName>style.visibility</p:attrName>
+                                        </p:attrNameLst>
+                                      </p:cBhvr>
+                                      <p:to>
+                                        <p:strVal val="visible"/>
+                                      </p:to>
+                                    </p:set>
+                                  </p:childTnLst>
+                                </p:cTn>
+                              </p:par>
+                              <p:par>
+                                <p:cTn id="25" presetID="1" presetClass="entr" presetSubtype="0" fill="hold" grpId="0" nodeType="withEffect">
+                                  <p:stCondLst>
+                                    <p:cond delay="0"/>
+                                  </p:stCondLst>
+                                  <p:childTnLst>
+                                    <p:set>
+                                      <p:cBhvr>
+                                        <p:cTn id="26" dur="1" fill="hold">
+                                          <p:stCondLst>
+                                            <p:cond delay="0"/>
+                                          </p:stCondLst>
+                                        </p:cTn>
+                                        <p:tgtEl>
+                                          <p:spTgt spid="7">
+                                            <p:txEl>
+                                              <p:pRg st="10" end="10"/>
+                                            </p:txEl>
+                                          </p:spTgt>
+                                        </p:tgtEl>
+                                        <p:attrNameLst>
+                                          <p:attrName>style.visibility</p:attrName>
+                                        </p:attrNameLst>
+                                      </p:cBhvr>
+                                      <p:to>
+                                        <p:strVal val="visible"/>
+                                      </p:to>
+                                    </p:set>
+                                  </p:childTnLst>
+                                </p:cTn>
+                              </p:par>
+                            </p:childTnLst>
+                          </p:cTn>
+                        </p:par>
+                      </p:childTnLst>
+                    </p:cTn>
+                  </p:par>
+                  <p:par>
+                    <p:cTn id="27" fill="hold">
+                      <p:stCondLst>
+                        <p:cond delay="indefinite"/>
+                      </p:stCondLst>
+                      <p:childTnLst>
+                        <p:par>
+                          <p:cTn id="28" fill="hold">
+                            <p:stCondLst>
+                              <p:cond delay="0"/>
+                            </p:stCondLst>
+                            <p:childTnLst>
+                              <p:par>
+                                <p:cTn id="29" presetID="1" presetClass="entr" presetSubtype="0" fill="hold" grpId="0" nodeType="clickEffect">
+                                  <p:stCondLst>
+                                    <p:cond delay="0"/>
+                                  </p:stCondLst>
+                                  <p:childTnLst>
+                                    <p:set>
+                                      <p:cBhvr>
+                                        <p:cTn id="30" dur="1" fill="hold">
+                                          <p:stCondLst>
+                                            <p:cond delay="0"/>
+                                          </p:stCondLst>
+                                        </p:cTn>
+                                        <p:tgtEl>
+                                          <p:spTgt spid="7">
+                                            <p:txEl>
+                                              <p:pRg st="12" end="12"/>
+                                            </p:txEl>
+                                          </p:spTgt>
+                                        </p:tgtEl>
+                                        <p:attrNameLst>
+                                          <p:attrName>style.visibility</p:attrName>
+                                        </p:attrNameLst>
+                                      </p:cBhvr>
+                                      <p:to>
+                                        <p:strVal val="visible"/>
+                                      </p:to>
+                                    </p:set>
+                                  </p:childTnLst>
+                                </p:cTn>
+                              </p:par>
+                            </p:childTnLst>
+                          </p:cTn>
+                        </p:par>
+                      </p:childTnLst>
+                    </p:cTn>
+                  </p:par>
+                  <p:par>
+                    <p:cTn id="31" fill="hold">
+                      <p:stCondLst>
+                        <p:cond delay="indefinite"/>
+                      </p:stCondLst>
+                      <p:childTnLst>
+                        <p:par>
+                          <p:cTn id="32" fill="hold">
+                            <p:stCondLst>
+                              <p:cond delay="0"/>
+                            </p:stCondLst>
+                            <p:childTnLst>
+                              <p:par>
+                                <p:cTn id="33" presetID="1" presetClass="entr" presetSubtype="0" fill="hold" grpId="0" nodeType="clickEffect">
+                                  <p:stCondLst>
+                                    <p:cond delay="0"/>
+                                  </p:stCondLst>
+                                  <p:childTnLst>
+                                    <p:set>
+                                      <p:cBhvr>
+                                        <p:cTn id="34" dur="1" fill="hold">
+                                          <p:stCondLst>
+                                            <p:cond delay="0"/>
+                                          </p:stCondLst>
+                                        </p:cTn>
+                                        <p:tgtEl>
+                                          <p:spTgt spid="7">
+                                            <p:txEl>
+                                              <p:pRg st="13" end="13"/>
+                                            </p:txEl>
+                                          </p:spTgt>
+                                        </p:tgtEl>
+                                        <p:attrNameLst>
+                                          <p:attrName>style.visibility</p:attrName>
+                                        </p:attrNameLst>
+                                      </p:cBhvr>
+                                      <p:to>
+                                        <p:strVal val="visible"/>
+                                      </p:to>
+                                    </p:set>
+                                  </p:childTnLst>
+                                </p:cTn>
+                              </p:par>
+                            </p:childTnLst>
+                          </p:cTn>
+                        </p:par>
+                        <p:par>
+                          <p:cTn id="35" fill="hold">
+                            <p:stCondLst>
+                              <p:cond delay="0"/>
+                            </p:stCondLst>
+                            <p:childTnLst>
+                              <p:par>
+                                <p:cTn id="36" presetID="1" presetClass="entr" presetSubtype="0" fill="hold" grpId="0" nodeType="afterEffect">
+                                  <p:stCondLst>
+                                    <p:cond delay="0"/>
+                                  </p:stCondLst>
+                                  <p:childTnLst>
+                                    <p:set>
+                                      <p:cBhvr>
+                                        <p:cTn id="37" dur="1" fill="hold">
+                                          <p:stCondLst>
+                                            <p:cond delay="0"/>
+                                          </p:stCondLst>
+                                        </p:cTn>
+                                        <p:tgtEl>
+                                          <p:spTgt spid="5"/>
+                                        </p:tgtEl>
+                                        <p:attrNameLst>
+                                          <p:attrName>style.visibility</p:attrName>
+                                        </p:attrNameLst>
+                                      </p:cBhvr>
+                                      <p:to>
+                                        <p:strVal val="visible"/>
+                                      </p:to>
+                                    </p:set>
+                                  </p:childTnLst>
+                                </p:cTn>
+                              </p:par>
+                            </p:childTnLst>
+                          </p:cTn>
+                        </p:par>
+                      </p:childTnLst>
+                    </p:cTn>
+                  </p:par>
+                  <p:par>
+                    <p:cTn id="38" fill="hold">
+                      <p:stCondLst>
+                        <p:cond delay="indefinite"/>
+                      </p:stCondLst>
+                      <p:childTnLst>
+                        <p:par>
+                          <p:cTn id="39" fill="hold">
+                            <p:stCondLst>
+                              <p:cond delay="0"/>
+                            </p:stCondLst>
+                            <p:childTnLst>
+                              <p:par>
+                                <p:cTn id="40" presetID="1" presetClass="entr" presetSubtype="0" fill="hold" grpId="0" nodeType="clickEffect">
+                                  <p:stCondLst>
+                                    <p:cond delay="0"/>
+                                  </p:stCondLst>
+                                  <p:childTnLst>
+                                    <p:set>
+                                      <p:cBhvr>
+                                        <p:cTn id="41" dur="1" fill="hold">
+                                          <p:stCondLst>
+                                            <p:cond delay="0"/>
+                                          </p:stCondLst>
+                                        </p:cTn>
+                                        <p:tgtEl>
+                                          <p:spTgt spid="7">
+                                            <p:txEl>
+                                              <p:pRg st="14" end="14"/>
+                                            </p:txEl>
+                                          </p:spTgt>
+                                        </p:tgtEl>
+                                        <p:attrNameLst>
+                                          <p:attrName>style.visibility</p:attrName>
+                                        </p:attrNameLst>
+                                      </p:cBhvr>
+                                      <p:to>
+                                        <p:strVal val="visible"/>
+                                      </p:to>
+                                    </p:set>
+                                  </p:childTnLst>
+                                </p:cTn>
+                              </p:par>
+                              <p:par>
+                                <p:cTn id="42" presetID="1" presetClass="exit" presetSubtype="0" fill="hold" grpId="1" nodeType="withEffect">
+                                  <p:stCondLst>
+                                    <p:cond delay="0"/>
+                                  </p:stCondLst>
+                                  <p:childTnLst>
+                                    <p:set>
+                                      <p:cBhvr>
+                                        <p:cTn id="43" dur="1" fill="hold">
+                                          <p:stCondLst>
+                                            <p:cond delay="0"/>
+                                          </p:stCondLst>
+                                        </p:cTn>
+                                        <p:tgtEl>
+                                          <p:spTgt spid="5"/>
+                                        </p:tgtEl>
+                                        <p:attrNameLst>
+                                          <p:attrName>style.visibility</p:attrName>
+                                        </p:attrNameLst>
+                                      </p:cBhvr>
+                                      <p:to>
+                                        <p:strVal val="hidden"/>
+                                      </p:to>
+                                    </p:set>
+                                  </p:childTnLst>
+                                </p:cTn>
+                              </p:par>
+                            </p:childTnLst>
+                          </p:cTn>
+                        </p:par>
+                        <p:par>
+                          <p:cTn id="44" fill="hold">
+                            <p:stCondLst>
+                              <p:cond delay="0"/>
+                            </p:stCondLst>
+                            <p:childTnLst>
+                              <p:par>
+                                <p:cTn id="45" presetID="1" presetClass="entr" presetSubtype="0" fill="hold" nodeType="afterEffect">
+                                  <p:stCondLst>
+                                    <p:cond delay="0"/>
+                                  </p:stCondLst>
+                                  <p:childTnLst>
+                                    <p:set>
+                                      <p:cBhvr>
+                                        <p:cTn id="46" dur="1" fill="hold">
+                                          <p:stCondLst>
+                                            <p:cond delay="0"/>
+                                          </p:stCondLst>
+                                        </p:cTn>
+                                        <p:tgtEl>
+                                          <p:spTgt spid="2"/>
+                                        </p:tgtEl>
+                                        <p:attrNameLst>
+                                          <p:attrName>style.visibility</p:attrName>
+                                        </p:attrNameLst>
+                                      </p:cBhvr>
+                                      <p:to>
+                                        <p:strVal val="visible"/>
+                                      </p:to>
+                                    </p:set>
+                                  </p:childTnLst>
+                                </p:cTn>
+                              </p:par>
+                            </p:childTnLst>
+                          </p:cTn>
+                        </p:par>
+                      </p:childTnLst>
+                    </p:cTn>
+                  </p:par>
+                  <p:par>
+                    <p:cTn id="47" fill="hold">
+                      <p:stCondLst>
+                        <p:cond delay="indefinite"/>
+                      </p:stCondLst>
+                      <p:childTnLst>
+                        <p:par>
+                          <p:cTn id="48" fill="hold">
+                            <p:stCondLst>
+                              <p:cond delay="0"/>
+                            </p:stCondLst>
+                            <p:childTnLst>
+                              <p:par>
+                                <p:cTn id="49" presetID="1" presetClass="entr" presetSubtype="0" fill="hold" grpId="0" nodeType="clickEffect">
+                                  <p:stCondLst>
+                                    <p:cond delay="0"/>
+                                  </p:stCondLst>
+                                  <p:childTnLst>
+                                    <p:set>
+                                      <p:cBhvr>
+                                        <p:cTn id="50" dur="1" fill="hold">
+                                          <p:stCondLst>
+                                            <p:cond delay="0"/>
+                                          </p:stCondLst>
+                                        </p:cTn>
+                                        <p:tgtEl>
+                                          <p:spTgt spid="7">
+                                            <p:txEl>
+                                              <p:pRg st="15" end="15"/>
+                                            </p:txEl>
+                                          </p:spTgt>
+                                        </p:tgtEl>
+                                        <p:attrNameLst>
+                                          <p:attrName>style.visibility</p:attrName>
+                                        </p:attrNameLst>
+                                      </p:cBhvr>
+                                      <p:to>
+                                        <p:strVal val="visible"/>
+                                      </p:to>
+                                    </p:set>
+                                  </p:childTnLst>
+                                </p:cTn>
+                              </p:par>
+                              <p:par>
+                                <p:cTn id="51" presetID="1" presetClass="exit" presetSubtype="0" fill="hold" nodeType="withEffect">
+                                  <p:stCondLst>
+                                    <p:cond delay="0"/>
+                                  </p:stCondLst>
+                                  <p:childTnLst>
+                                    <p:set>
+                                      <p:cBhvr>
+                                        <p:cTn id="52" dur="1" fill="hold">
+                                          <p:stCondLst>
+                                            <p:cond delay="0"/>
+                                          </p:stCondLst>
+                                        </p:cTn>
+                                        <p:tgtEl>
+                                          <p:spTgt spid="2"/>
+                                        </p:tgtEl>
+                                        <p:attrNameLst>
+                                          <p:attrName>style.visibility</p:attrName>
+                                        </p:attrNameLst>
+                                      </p:cBhvr>
+                                      <p:to>
+                                        <p:strVal val="hidden"/>
+                                      </p:to>
+                                    </p:set>
+                                  </p:childTnLst>
+                                </p:cTn>
+                              </p:par>
+                            </p:childTnLst>
+                          </p:cTn>
+                        </p:par>
+                        <p:par>
+                          <p:cTn id="53" fill="hold">
+                            <p:stCondLst>
+                              <p:cond delay="0"/>
+                            </p:stCondLst>
+                            <p:childTnLst>
+                              <p:par>
+                                <p:cTn id="54" presetID="1" presetClass="entr" presetSubtype="0" fill="hold" nodeType="afterEffect">
+                                  <p:stCondLst>
+                                    <p:cond delay="0"/>
+                                  </p:stCondLst>
+                                  <p:childTnLst>
+                                    <p:set>
+                                      <p:cBhvr>
+                                        <p:cTn id="55" dur="1" fill="hold">
+                                          <p:stCondLst>
+                                            <p:cond delay="0"/>
+                                          </p:stCondLst>
+                                        </p:cTn>
+                                        <p:tgtEl>
+                                          <p:spTgt spid="9"/>
+                                        </p:tgtEl>
+                                        <p:attrNameLst>
+                                          <p:attrName>style.visibility</p:attrName>
+                                        </p:attrNameLst>
+                                      </p:cBhvr>
+                                      <p:to>
+                                        <p:strVal val="visible"/>
+                                      </p:to>
+                                    </p:set>
+                                  </p:childTnLst>
+                                </p:cTn>
+                              </p:par>
+                            </p:childTnLst>
+                          </p:cTn>
+                        </p:par>
+                      </p:childTnLst>
+                    </p:cTn>
+                  </p:par>
+                </p:childTnLst>
+              </p:cTn>
+              <p:prevCondLst>
+                <p:cond evt="onPrev" delay="0">
+                  <p:tgtEl>
+                    <p:sldTgt/>
+                  </p:tgtEl>
+                </p:cond>
+              </p:prevCondLst>
+              <p:nextCondLst>
+                <p:cond evt="onNext" delay="0">
+                  <p:tgtEl>
+                    <p:sldTgt/>
+                  </p:tgtEl>
+                </p:cond>
+              </p:nextCondLst>
+            </p:seq>
+          </p:childTnLst>
+        </p:cTn>
       </p:par>
     </p:tnLst>
+    <p:bldLst>
+      <p:bldP spid="7" grpId="0" uiExpand="1" build="p"/>
+      <p:bldGraphic spid="5" grpId="0">
+        <p:bldAsOne/>
+      </p:bldGraphic>
+      <p:bldGraphic spid="5" grpId="1">
+        <p:bldAsOne/>
+      </p:bldGraphic>
+    </p:bldLst>
   </p:timing>
 </p:sld>
 </file>
@@ -47467,8 +47328,8 @@
         </p:nvSpPr>
         <p:spPr>
           <a:xfrm>
-            <a:off x="333375" y="1625386"/>
-            <a:ext cx="5038725" cy="4981154"/>
+            <a:off x="333375" y="1246909"/>
+            <a:ext cx="5038725" cy="5359631"/>
           </a:xfrm>
         </p:spPr>
         <p:txBody>
@@ -47476,77 +47337,77 @@
           <a:lstStyle/>
           <a:p>
             <a:r>
-              <a:rPr lang="pt-BR" b="1" dirty="0"/>
+              <a:rPr lang="pt-BR" sz="1800" b="1" dirty="0"/>
               <a:t>Diabetes</a:t>
             </a:r>
             <a:r>
-              <a:rPr lang="pt-BR" dirty="0"/>
+              <a:rPr lang="pt-BR" sz="1800" dirty="0"/>
               <a:t> é uma doença causada pela produção insuficiente ou má absorção de insulina, hormônio que regula a glicose no sangue e garante energia para o organismo. A insulina é um hormônio que tem a função de quebrar as moléculas de glicose(açúcar) transformando-a em energia para manutenção das células do nosso organismo</a:t>
             </a:r>
             <a:r>
-              <a:rPr lang="pt-BR" dirty="0" smtClean="0"/>
+              <a:rPr lang="pt-BR" sz="1800" dirty="0" smtClean="0"/>
               <a:t>.</a:t>
             </a:r>
           </a:p>
           <a:p>
-            <a:endParaRPr lang="pt-BR" dirty="0"/>
+            <a:endParaRPr lang="pt-BR" sz="1800" dirty="0"/>
           </a:p>
           <a:p>
             <a:r>
-              <a:rPr lang="pt-BR" dirty="0" smtClean="0"/>
+              <a:rPr lang="pt-BR" sz="1800" dirty="0" smtClean="0"/>
               <a:t>2 tipos de principais de diabetes: </a:t>
             </a:r>
           </a:p>
           <a:p>
             <a:pPr lvl="1"/>
             <a:r>
-              <a:rPr lang="pt-BR" dirty="0" smtClean="0"/>
+              <a:rPr lang="pt-BR" sz="1400" dirty="0" smtClean="0"/>
               <a:t>Tipo 1: hereditária e crônica;</a:t>
             </a:r>
           </a:p>
           <a:p>
             <a:pPr lvl="2"/>
             <a:r>
-              <a:rPr lang="pt-BR" dirty="0" smtClean="0"/>
+              <a:rPr lang="pt-BR" sz="1100" dirty="0" smtClean="0"/>
               <a:t>Causa: hereditário;</a:t>
             </a:r>
           </a:p>
           <a:p>
             <a:pPr lvl="2"/>
             <a:r>
-              <a:rPr lang="pt-BR" dirty="0" smtClean="0"/>
+              <a:rPr lang="pt-BR" sz="1100" dirty="0" smtClean="0"/>
               <a:t>Tratamento: injeções diárias de insulina.</a:t>
             </a:r>
           </a:p>
           <a:p>
             <a:pPr lvl="1"/>
             <a:r>
-              <a:rPr lang="pt-BR" dirty="0" smtClean="0"/>
+              <a:rPr lang="pt-BR" sz="1400" dirty="0" smtClean="0"/>
               <a:t>Tipo 2: o corpo não aproveita adequadamente a insulina produzida.</a:t>
             </a:r>
           </a:p>
           <a:p>
             <a:pPr lvl="2"/>
             <a:r>
-              <a:rPr lang="pt-BR" dirty="0" smtClean="0"/>
+              <a:rPr lang="pt-BR" sz="1100" dirty="0" smtClean="0"/>
               <a:t>Causas: sobrepeso, sedentarismo, </a:t>
             </a:r>
             <a:r>
-              <a:rPr lang="pt-BR" dirty="0" err="1" smtClean="0"/>
-              <a:t>hipertertensão</a:t>
+              <a:rPr lang="pt-BR" sz="1100" dirty="0" smtClean="0"/>
+              <a:t>hipertensão </a:t>
             </a:r>
             <a:r>
-              <a:rPr lang="pt-BR" dirty="0" smtClean="0"/>
-              <a:t> e hábitos alimentares inadequados.</a:t>
+              <a:rPr lang="pt-BR" sz="1100" dirty="0" smtClean="0"/>
+              <a:t>e hábitos alimentares inadequados.</a:t>
             </a:r>
           </a:p>
           <a:p>
             <a:pPr lvl="2"/>
             <a:r>
-              <a:rPr lang="pt-BR" dirty="0" smtClean="0"/>
+              <a:rPr lang="pt-BR" sz="1100" dirty="0" smtClean="0"/>
               <a:t>Tratamento: medicamentos e injeção de insulina.</a:t>
             </a:r>
-            <a:endParaRPr lang="pt-BR" dirty="0"/>
+            <a:endParaRPr lang="pt-BR" sz="1100" dirty="0"/>
           </a:p>
         </p:txBody>
       </p:sp>
@@ -47676,64 +47537,69 @@
             <p:ph type="body" sz="quarter" idx="13"/>
           </p:nvPr>
         </p:nvSpPr>
-        <p:spPr/>
+        <p:spPr>
+          <a:xfrm>
+            <a:off x="333375" y="1625386"/>
+            <a:ext cx="5038725" cy="5166112"/>
+          </a:xfrm>
+        </p:spPr>
         <p:txBody>
           <a:bodyPr rtlCol="0"/>
           <a:lstStyle/>
           <a:p>
             <a:r>
-              <a:rPr lang="pt-BR" b="1" dirty="0"/>
+              <a:rPr lang="pt-BR" sz="2000" b="1" dirty="0"/>
               <a:t>Cirrose</a:t>
             </a:r>
             <a:r>
-              <a:rPr lang="pt-BR" dirty="0"/>
+              <a:rPr lang="pt-BR" sz="2000" dirty="0"/>
               <a:t> é uma doença crônica do fígado que se caracteriza por fibrose e formação de nódulos que bloqueiam a circulação sanguínea. Pode ser causada por infecções ou inflamação crônica dessa glândula. A </a:t>
             </a:r>
             <a:r>
-              <a:rPr lang="pt-BR" b="1" dirty="0"/>
+              <a:rPr lang="pt-BR" sz="2000" b="1" dirty="0"/>
               <a:t>cirrose</a:t>
             </a:r>
             <a:r>
-              <a:rPr lang="pt-BR" dirty="0"/>
+              <a:rPr lang="pt-BR" sz="2000" dirty="0"/>
               <a:t> faz com que o fígado produza tecido de cicatrização no lugar das células saudáveis que </a:t>
             </a:r>
             <a:r>
-              <a:rPr lang="pt-BR" dirty="0" smtClean="0"/>
+              <a:rPr lang="pt-BR" sz="2000" dirty="0" smtClean="0"/>
               <a:t>morrem.</a:t>
             </a:r>
           </a:p>
           <a:p>
-            <a:endParaRPr lang="pt-BR" dirty="0" smtClean="0"/>
+            <a:endParaRPr lang="pt-BR" sz="2000" dirty="0" smtClean="0"/>
           </a:p>
           <a:p>
             <a:r>
-              <a:rPr lang="pt-BR" dirty="0" smtClean="0"/>
+              <a:rPr lang="pt-BR" sz="2000" dirty="0" smtClean="0"/>
               <a:t>Não tem cura;</a:t>
             </a:r>
           </a:p>
           <a:p>
-            <a:endParaRPr lang="pt-BR" dirty="0"/>
+            <a:endParaRPr lang="pt-BR" sz="2000" dirty="0"/>
           </a:p>
           <a:p>
             <a:r>
-              <a:rPr lang="pt-BR" dirty="0" smtClean="0"/>
+              <a:rPr lang="pt-BR" sz="2000" dirty="0" smtClean="0"/>
               <a:t>Tratamento:</a:t>
             </a:r>
           </a:p>
           <a:p>
             <a:pPr lvl="1"/>
             <a:r>
-              <a:rPr lang="pt-BR" dirty="0" smtClean="0"/>
+              <a:rPr lang="pt-BR" sz="1600" dirty="0" smtClean="0"/>
               <a:t>Medicamentos para impedir que a cirrose se alastre e agrave;</a:t>
             </a:r>
           </a:p>
           <a:p>
             <a:pPr lvl="1"/>
             <a:r>
-              <a:rPr lang="pt-BR" dirty="0" smtClean="0"/>
+              <a:rPr lang="pt-BR" sz="1600" dirty="0" smtClean="0"/>
               <a:t>Nos casos mais graves: transplante de fígado.</a:t>
             </a:r>
-            <a:endParaRPr lang="pt-BR" dirty="0"/>
+            <a:endParaRPr lang="pt-BR" sz="1600" dirty="0"/>
           </a:p>
         </p:txBody>
       </p:sp>
@@ -47863,75 +47729,80 @@
             <p:ph type="body" sz="quarter" idx="13"/>
           </p:nvPr>
         </p:nvSpPr>
-        <p:spPr/>
+        <p:spPr>
+          <a:xfrm>
+            <a:off x="333375" y="1625386"/>
+            <a:ext cx="5038725" cy="4875167"/>
+          </a:xfrm>
+        </p:spPr>
         <p:txBody>
           <a:bodyPr rtlCol="0"/>
           <a:lstStyle/>
           <a:p>
             <a:r>
-              <a:rPr lang="pt-BR" dirty="0" smtClean="0"/>
+              <a:rPr lang="pt-BR" sz="1800" dirty="0" smtClean="0"/>
               <a:t>A </a:t>
             </a:r>
             <a:r>
-              <a:rPr lang="pt-BR" dirty="0"/>
+              <a:rPr lang="pt-BR" sz="1800" dirty="0"/>
               <a:t>obesidade é caracterizada pelo acúmulo excessivo de gordura corporal no indivíduo. Para o diagnóstico em adultos, o parâmetro utilizado mais comumente é o do índice de massa corporal (IMC).</a:t>
             </a:r>
             <a:br>
-              <a:rPr lang="pt-BR" dirty="0"/>
+              <a:rPr lang="pt-BR" sz="1800" dirty="0"/>
             </a:br>
-            <a:endParaRPr lang="pt-BR" dirty="0" smtClean="0"/>
+            <a:endParaRPr lang="pt-BR" sz="1800" dirty="0" smtClean="0"/>
           </a:p>
           <a:p>
             <a:r>
-              <a:rPr lang="pt-BR" dirty="0" smtClean="0"/>
+              <a:rPr lang="pt-BR" sz="1800" dirty="0" smtClean="0"/>
               <a:t>Peso normal segundo Organização </a:t>
             </a:r>
             <a:r>
-              <a:rPr lang="pt-BR" dirty="0"/>
+              <a:rPr lang="pt-BR" sz="1800" dirty="0"/>
               <a:t>Mundial da Saúde (OMS</a:t>
             </a:r>
             <a:r>
-              <a:rPr lang="pt-BR" dirty="0" smtClean="0"/>
+              <a:rPr lang="pt-BR" sz="1800" dirty="0" smtClean="0"/>
               <a:t>): 18,5 </a:t>
             </a:r>
             <a:r>
-              <a:rPr lang="pt-BR" dirty="0"/>
+              <a:rPr lang="pt-BR" sz="1800" dirty="0"/>
               <a:t>e 24,9. </a:t>
             </a:r>
             <a:r>
-              <a:rPr lang="pt-BR" u="sng" dirty="0"/>
+              <a:rPr lang="pt-BR" sz="1800" u="sng" dirty="0"/>
               <a:t>Para ser considerado obeso, o</a:t>
             </a:r>
             <a:r>
-              <a:rPr lang="pt-BR" b="1" u="sng" dirty="0"/>
+              <a:rPr lang="pt-BR" sz="1800" b="1" u="sng" dirty="0"/>
               <a:t> </a:t>
             </a:r>
             <a:r>
-              <a:rPr lang="pt-BR" u="sng" dirty="0"/>
+              <a:rPr lang="pt-BR" sz="1800" u="sng" dirty="0"/>
               <a:t>IMC deve estar acima de 30.</a:t>
             </a:r>
           </a:p>
           <a:p>
-            <a:endParaRPr lang="pt-BR" dirty="0"/>
+            <a:endParaRPr lang="pt-BR" sz="1800" dirty="0"/>
           </a:p>
           <a:p>
             <a:r>
-              <a:rPr lang="pt-BR" dirty="0"/>
+              <a:rPr lang="pt-BR" sz="1800" dirty="0"/>
               <a:t>A obesidade é </a:t>
             </a:r>
             <a:r>
-              <a:rPr lang="pt-BR" b="1" u="sng" dirty="0"/>
+              <a:rPr lang="pt-BR" sz="1800" b="1" u="sng" dirty="0"/>
               <a:t>fator de risco </a:t>
             </a:r>
             <a:r>
-              <a:rPr lang="pt-BR" dirty="0"/>
+              <a:rPr lang="pt-BR" sz="1800" dirty="0"/>
               <a:t>para uma série de doenças. O obeso tem mais propensão a desenvolver problemas como hipertensão, doenças cardiovasculares, diabetes tipo 2, entre </a:t>
             </a:r>
             <a:r>
-              <a:rPr lang="pt-BR" dirty="0" smtClean="0"/>
+              <a:rPr lang="pt-BR" sz="1800" dirty="0" smtClean="0"/>
               <a:t>outras.</a:t>
             </a:r>
-            <a:endParaRPr lang="pt-BR" dirty="0"/>
+            <a:endParaRPr lang="pt-BR" sz="1800" dirty="0"/>
           </a:p>
         </p:txBody>
       </p:sp>
@@ -48061,45 +47932,50 @@
             <p:ph type="body" sz="quarter" idx="13"/>
           </p:nvPr>
         </p:nvSpPr>
-        <p:spPr/>
+        <p:spPr>
+          <a:xfrm>
+            <a:off x="333375" y="1625386"/>
+            <a:ext cx="5038725" cy="4517719"/>
+          </a:xfrm>
+        </p:spPr>
         <p:txBody>
           <a:bodyPr rtlCol="0"/>
           <a:lstStyle/>
           <a:p>
             <a:r>
-              <a:rPr lang="pt-BR" dirty="0"/>
+              <a:rPr lang="pt-BR" sz="2000" dirty="0"/>
               <a:t>HIV é a sigla em inglês do vírus da imunodeficiência humana. Causador da aids, ataca o sistema imunológico, responsável por defender o organismo de doenças</a:t>
             </a:r>
             <a:r>
-              <a:rPr lang="pt-BR" dirty="0" smtClean="0"/>
+              <a:rPr lang="pt-BR" sz="2000" dirty="0" smtClean="0"/>
               <a:t>.</a:t>
             </a:r>
           </a:p>
           <a:p>
-            <a:endParaRPr lang="pt-BR" dirty="0"/>
+            <a:endParaRPr lang="pt-BR" sz="2000" dirty="0"/>
           </a:p>
           <a:p>
             <a:r>
-              <a:rPr lang="pt-BR" dirty="0" smtClean="0"/>
+              <a:rPr lang="pt-BR" sz="2000" dirty="0" smtClean="0"/>
               <a:t>Não há cura;</a:t>
             </a:r>
           </a:p>
           <a:p>
-            <a:endParaRPr lang="pt-BR" dirty="0"/>
+            <a:endParaRPr lang="pt-BR" sz="2000" dirty="0"/>
           </a:p>
           <a:p>
             <a:r>
-              <a:rPr lang="pt-BR" dirty="0" smtClean="0"/>
+              <a:rPr lang="pt-BR" sz="2000" dirty="0" smtClean="0"/>
               <a:t>Tratamento:</a:t>
             </a:r>
           </a:p>
           <a:p>
             <a:pPr lvl="1"/>
             <a:r>
-              <a:rPr lang="pt-BR" dirty="0" smtClean="0"/>
+              <a:rPr lang="pt-BR" sz="1600" dirty="0" smtClean="0"/>
               <a:t>Uma série de remédios que tomados regularmente e corretamente podem reduzir drasticamente a progressão da doença e aumentar e expectativa de vida;</a:t>
             </a:r>
-            <a:endParaRPr lang="pt-BR" dirty="0"/>
+            <a:endParaRPr lang="pt-BR" sz="1600" dirty="0"/>
           </a:p>
         </p:txBody>
       </p:sp>
@@ -49094,6 +48970,15 @@
 </file>
 
 <file path=customXml/item1.xml><?xml version="1.0" encoding="utf-8"?>
+<?mso-contentType ?>
+<FormTemplates xmlns="http://schemas.microsoft.com/sharepoint/v3/contenttype/forms">
+  <Display>DocumentLibraryForm</Display>
+  <Edit>DocumentLibraryForm</Edit>
+  <New>DocumentLibraryForm</New>
+</FormTemplates>
+</file>
+
+<file path=customXml/item2.xml><?xml version="1.0" encoding="utf-8"?>
 <ct:contentTypeSchema xmlns:ct="http://schemas.microsoft.com/office/2006/metadata/contentType" xmlns:ma="http://schemas.microsoft.com/office/2006/metadata/properties/metaAttributes" ct:_="" ma:_="" ma:contentTypeName="Document" ma:contentTypeID="0x010100DEEA25CC0A0AC24199CDC46C25B8B0BC" ma:contentTypeVersion="10" ma:contentTypeDescription="Create a new document." ma:contentTypeScope="" ma:versionID="e3b47856d4cf355c0dacb39e1084d14f">
   <xsd:schema xmlns:xsd="http://www.w3.org/2001/XMLSchema" xmlns:xs="http://www.w3.org/2001/XMLSchema" xmlns:p="http://schemas.microsoft.com/office/2006/metadata/properties" xmlns:ns1="http://schemas.microsoft.com/sharepoint/v3" xmlns:ns2="6dc4bcd6-49db-4c07-9060-8acfc67cef9f" xmlns:ns3="fb0879af-3eba-417a-a55a-ffe6dcd6ca77" targetNamespace="http://schemas.microsoft.com/office/2006/metadata/properties" ma:root="true" ma:fieldsID="a845a615265fdb1f7b12cc65ac20ecbd" ns1:_="" ns2:_="" ns3:_="">
     <xsd:import namespace="http://schemas.microsoft.com/sharepoint/v3"/>
@@ -49301,15 +49186,6 @@
 </ct:contentTypeSchema>
 </file>
 
-<file path=customXml/item2.xml><?xml version="1.0" encoding="utf-8"?>
-<?mso-contentType ?>
-<FormTemplates xmlns="http://schemas.microsoft.com/sharepoint/v3/contenttype/forms">
-  <Display>DocumentLibraryForm</Display>
-  <Edit>DocumentLibraryForm</Edit>
-  <New>DocumentLibraryForm</New>
-</FormTemplates>
-</file>
-
 <file path=customXml/item3.xml><?xml version="1.0" encoding="utf-8"?>
 <p:properties xmlns:p="http://schemas.microsoft.com/office/2006/metadata/properties" xmlns:xsi="http://www.w3.org/2001/XMLSchema-instance" xmlns:pc="http://schemas.microsoft.com/office/infopath/2007/PartnerControls">
   <documentManagement>
@@ -49320,6 +49196,14 @@
 </file>
 
 <file path=customXml/itemProps1.xml><?xml version="1.0" encoding="utf-8"?>
+<ds:datastoreItem xmlns:ds="http://schemas.openxmlformats.org/officeDocument/2006/customXml" ds:itemID="{8A95DE24-D6C3-4A00-9085-D9594C193AE1}">
+  <ds:schemaRefs>
+    <ds:schemaRef ds:uri="http://schemas.microsoft.com/sharepoint/v3/contenttype/forms"/>
+  </ds:schemaRefs>
+</ds:datastoreItem>
+</file>
+
+<file path=customXml/itemProps2.xml><?xml version="1.0" encoding="utf-8"?>
 <ds:datastoreItem xmlns:ds="http://schemas.openxmlformats.org/officeDocument/2006/customXml" ds:itemID="{6B67ACAB-C3DC-429D-A23C-0723C084FEE5}">
   <ds:schemaRefs>
     <ds:schemaRef ds:uri="http://schemas.microsoft.com/office/2006/metadata/contentType"/>
@@ -49335,14 +49219,6 @@
     <ds:schemaRef ds:uri="http://purl.org/dc/elements/1.1/"/>
     <ds:schemaRef ds:uri="http://purl.org/dc/terms/"/>
     <ds:schemaRef ds:uri="http://schemas.microsoft.com/internal/obd"/>
-  </ds:schemaRefs>
-</ds:datastoreItem>
-</file>
-
-<file path=customXml/itemProps2.xml><?xml version="1.0" encoding="utf-8"?>
-<ds:datastoreItem xmlns:ds="http://schemas.openxmlformats.org/officeDocument/2006/customXml" ds:itemID="{8A95DE24-D6C3-4A00-9085-D9594C193AE1}">
-  <ds:schemaRefs>
-    <ds:schemaRef ds:uri="http://schemas.microsoft.com/sharepoint/v3/contenttype/forms"/>
   </ds:schemaRefs>
 </ds:datastoreItem>
 </file>
